--- a/설명.pptx
+++ b/설명.pptx
@@ -186,10 +186,9 @@
           <a:lstStyle/>
           <a:p>
             <a:r>
-              <a:rPr lang="en-US" smtClean="0"/>
+              <a:rPr lang="en-US"/>
               <a:t>Click to edit Master title style</a:t>
             </a:r>
-            <a:endParaRPr lang="en-US"/>
           </a:p>
         </p:txBody>
       </p:sp>
@@ -305,10 +304,9 @@
           </a:lstStyle>
           <a:p>
             <a:r>
-              <a:rPr lang="en-US" smtClean="0"/>
+              <a:rPr lang="en-US"/>
               <a:t>Click to edit Master subtitle style</a:t>
             </a:r>
-            <a:endParaRPr lang="en-US"/>
           </a:p>
         </p:txBody>
       </p:sp>
@@ -329,7 +327,7 @@
           <a:p>
             <a:fld id="{F8166F1F-CE9B-4651-A6AA-CD717754106B}" type="datetimeFigureOut">
               <a:rPr lang="en-US" smtClean="0"/>
-              <a:t>6/14/2022</a:t>
+              <a:t>6/24/2022</a:t>
             </a:fld>
             <a:endParaRPr lang="en-US"/>
           </a:p>
@@ -418,10 +416,9 @@
           <a:lstStyle/>
           <a:p>
             <a:r>
-              <a:rPr lang="en-US" smtClean="0"/>
+              <a:rPr lang="en-US"/>
               <a:t>Click to edit Master title style</a:t>
             </a:r>
-            <a:endParaRPr lang="en-US"/>
           </a:p>
         </p:txBody>
       </p:sp>
@@ -442,38 +439,37 @@
           <a:p>
             <a:pPr lvl="0"/>
             <a:r>
-              <a:rPr lang="en-US" smtClean="0"/>
+              <a:rPr lang="en-US"/>
               <a:t>Click to edit Master text styles</a:t>
             </a:r>
           </a:p>
           <a:p>
             <a:pPr lvl="1"/>
             <a:r>
-              <a:rPr lang="en-US" smtClean="0"/>
+              <a:rPr lang="en-US"/>
               <a:t>Second level</a:t>
             </a:r>
           </a:p>
           <a:p>
             <a:pPr lvl="2"/>
             <a:r>
-              <a:rPr lang="en-US" smtClean="0"/>
+              <a:rPr lang="en-US"/>
               <a:t>Third level</a:t>
             </a:r>
           </a:p>
           <a:p>
             <a:pPr lvl="3"/>
             <a:r>
-              <a:rPr lang="en-US" smtClean="0"/>
+              <a:rPr lang="en-US"/>
               <a:t>Fourth level</a:t>
             </a:r>
           </a:p>
           <a:p>
             <a:pPr lvl="4"/>
             <a:r>
-              <a:rPr lang="en-US" smtClean="0"/>
+              <a:rPr lang="en-US"/>
               <a:t>Fifth level</a:t>
             </a:r>
-            <a:endParaRPr lang="en-US"/>
           </a:p>
         </p:txBody>
       </p:sp>
@@ -494,7 +490,7 @@
           <a:p>
             <a:fld id="{A76116CE-C4A3-4A05-B2D7-7C2E9A889C0F}" type="datetimeFigureOut">
               <a:rPr lang="en-US" smtClean="0"/>
-              <a:t>6/14/2022</a:t>
+              <a:t>6/24/2022</a:t>
             </a:fld>
             <a:endParaRPr lang="en-US"/>
           </a:p>
@@ -588,10 +584,9 @@
           <a:lstStyle/>
           <a:p>
             <a:r>
-              <a:rPr lang="en-US" smtClean="0"/>
+              <a:rPr lang="en-US"/>
               <a:t>Click to edit Master title style</a:t>
             </a:r>
-            <a:endParaRPr lang="en-US"/>
           </a:p>
         </p:txBody>
       </p:sp>
@@ -617,38 +612,37 @@
           <a:p>
             <a:pPr lvl="0"/>
             <a:r>
-              <a:rPr lang="en-US" smtClean="0"/>
+              <a:rPr lang="en-US"/>
               <a:t>Click to edit Master text styles</a:t>
             </a:r>
           </a:p>
           <a:p>
             <a:pPr lvl="1"/>
             <a:r>
-              <a:rPr lang="en-US" smtClean="0"/>
+              <a:rPr lang="en-US"/>
               <a:t>Second level</a:t>
             </a:r>
           </a:p>
           <a:p>
             <a:pPr lvl="2"/>
             <a:r>
-              <a:rPr lang="en-US" smtClean="0"/>
+              <a:rPr lang="en-US"/>
               <a:t>Third level</a:t>
             </a:r>
           </a:p>
           <a:p>
             <a:pPr lvl="3"/>
             <a:r>
-              <a:rPr lang="en-US" smtClean="0"/>
+              <a:rPr lang="en-US"/>
               <a:t>Fourth level</a:t>
             </a:r>
           </a:p>
           <a:p>
             <a:pPr lvl="4"/>
             <a:r>
-              <a:rPr lang="en-US" smtClean="0"/>
+              <a:rPr lang="en-US"/>
               <a:t>Fifth level</a:t>
             </a:r>
-            <a:endParaRPr lang="en-US"/>
           </a:p>
         </p:txBody>
       </p:sp>
@@ -669,7 +663,7 @@
           <a:p>
             <a:fld id="{A76116CE-C4A3-4A05-B2D7-7C2E9A889C0F}" type="datetimeFigureOut">
               <a:rPr lang="en-US" smtClean="0"/>
-              <a:t>6/14/2022</a:t>
+              <a:t>6/24/2022</a:t>
             </a:fld>
             <a:endParaRPr lang="en-US"/>
           </a:p>
@@ -758,10 +752,9 @@
           <a:lstStyle/>
           <a:p>
             <a:r>
-              <a:rPr lang="en-US" smtClean="0"/>
+              <a:rPr lang="en-US"/>
               <a:t>Click to edit Master title style</a:t>
             </a:r>
-            <a:endParaRPr lang="en-US"/>
           </a:p>
         </p:txBody>
       </p:sp>
@@ -784,38 +777,37 @@
               <a:buChar char="•"/>
             </a:pPr>
             <a:r>
-              <a:rPr lang="en-US" smtClean="0"/>
+              <a:rPr lang="en-US"/>
               <a:t>Click to edit Master text styles</a:t>
             </a:r>
           </a:p>
           <a:p>
             <a:pPr lvl="1"/>
             <a:r>
-              <a:rPr lang="en-US" smtClean="0"/>
+              <a:rPr lang="en-US"/>
               <a:t>Second level</a:t>
             </a:r>
           </a:p>
           <a:p>
             <a:pPr lvl="2"/>
             <a:r>
-              <a:rPr lang="en-US" smtClean="0"/>
+              <a:rPr lang="en-US"/>
               <a:t>Third level</a:t>
             </a:r>
           </a:p>
           <a:p>
             <a:pPr lvl="3"/>
             <a:r>
-              <a:rPr lang="en-US" smtClean="0"/>
+              <a:rPr lang="en-US"/>
               <a:t>Fourth level</a:t>
             </a:r>
           </a:p>
           <a:p>
             <a:pPr lvl="4"/>
             <a:r>
-              <a:rPr lang="en-US" smtClean="0"/>
+              <a:rPr lang="en-US"/>
               <a:t>Fifth level</a:t>
             </a:r>
-            <a:endParaRPr lang="en-US"/>
           </a:p>
         </p:txBody>
       </p:sp>
@@ -836,7 +828,7 @@
           <a:p>
             <a:fld id="{A76116CE-C4A3-4A05-B2D7-7C2E9A889C0F}" type="datetimeFigureOut">
               <a:rPr lang="en-US" smtClean="0"/>
-              <a:t>6/14/2022</a:t>
+              <a:t>6/24/2022</a:t>
             </a:fld>
             <a:endParaRPr lang="en-US"/>
           </a:p>
@@ -934,10 +926,9 @@
           </a:lstStyle>
           <a:p>
             <a:r>
-              <a:rPr lang="en-US" smtClean="0"/>
+              <a:rPr lang="en-US"/>
               <a:t>Click to edit Master title style</a:t>
             </a:r>
-            <a:endParaRPr lang="en-US"/>
           </a:p>
         </p:txBody>
       </p:sp>
@@ -1054,7 +1045,7 @@
           <a:p>
             <a:pPr lvl="0"/>
             <a:r>
-              <a:rPr lang="en-US" smtClean="0"/>
+              <a:rPr lang="en-US"/>
               <a:t>Click to edit Master text styles</a:t>
             </a:r>
           </a:p>
@@ -1077,7 +1068,7 @@
           <a:p>
             <a:fld id="{A76116CE-C4A3-4A05-B2D7-7C2E9A889C0F}" type="datetimeFigureOut">
               <a:rPr lang="en-US" smtClean="0"/>
-              <a:t>6/14/2022</a:t>
+              <a:t>6/24/2022</a:t>
             </a:fld>
             <a:endParaRPr lang="en-US"/>
           </a:p>
@@ -1166,10 +1157,9 @@
           <a:lstStyle/>
           <a:p>
             <a:r>
-              <a:rPr lang="en-US" smtClean="0"/>
+              <a:rPr lang="en-US"/>
               <a:t>Click to edit Master title style</a:t>
             </a:r>
-            <a:endParaRPr lang="en-US"/>
           </a:p>
         </p:txBody>
       </p:sp>
@@ -1223,38 +1213,37 @@
           <a:p>
             <a:pPr lvl="0"/>
             <a:r>
-              <a:rPr lang="en-US" smtClean="0"/>
+              <a:rPr lang="en-US"/>
               <a:t>Click to edit Master text styles</a:t>
             </a:r>
           </a:p>
           <a:p>
             <a:pPr lvl="1"/>
             <a:r>
-              <a:rPr lang="en-US" smtClean="0"/>
+              <a:rPr lang="en-US"/>
               <a:t>Second level</a:t>
             </a:r>
           </a:p>
           <a:p>
             <a:pPr lvl="2"/>
             <a:r>
-              <a:rPr lang="en-US" smtClean="0"/>
+              <a:rPr lang="en-US"/>
               <a:t>Third level</a:t>
             </a:r>
           </a:p>
           <a:p>
             <a:pPr lvl="3"/>
             <a:r>
-              <a:rPr lang="en-US" smtClean="0"/>
+              <a:rPr lang="en-US"/>
               <a:t>Fourth level</a:t>
             </a:r>
           </a:p>
           <a:p>
             <a:pPr lvl="4"/>
             <a:r>
-              <a:rPr lang="en-US" smtClean="0"/>
+              <a:rPr lang="en-US"/>
               <a:t>Fifth level</a:t>
             </a:r>
-            <a:endParaRPr lang="en-US"/>
           </a:p>
         </p:txBody>
       </p:sp>
@@ -1308,38 +1297,37 @@
           <a:p>
             <a:pPr lvl="0"/>
             <a:r>
-              <a:rPr lang="en-US" smtClean="0"/>
+              <a:rPr lang="en-US"/>
               <a:t>Click to edit Master text styles</a:t>
             </a:r>
           </a:p>
           <a:p>
             <a:pPr lvl="1"/>
             <a:r>
-              <a:rPr lang="en-US" smtClean="0"/>
+              <a:rPr lang="en-US"/>
               <a:t>Second level</a:t>
             </a:r>
           </a:p>
           <a:p>
             <a:pPr lvl="2"/>
             <a:r>
-              <a:rPr lang="en-US" smtClean="0"/>
+              <a:rPr lang="en-US"/>
               <a:t>Third level</a:t>
             </a:r>
           </a:p>
           <a:p>
             <a:pPr lvl="3"/>
             <a:r>
-              <a:rPr lang="en-US" smtClean="0"/>
+              <a:rPr lang="en-US"/>
               <a:t>Fourth level</a:t>
             </a:r>
           </a:p>
           <a:p>
             <a:pPr lvl="4"/>
             <a:r>
-              <a:rPr lang="en-US" smtClean="0"/>
+              <a:rPr lang="en-US"/>
               <a:t>Fifth level</a:t>
             </a:r>
-            <a:endParaRPr lang="en-US"/>
           </a:p>
         </p:txBody>
       </p:sp>
@@ -1360,7 +1348,7 @@
           <a:p>
             <a:fld id="{A76116CE-C4A3-4A05-B2D7-7C2E9A889C0F}" type="datetimeFigureOut">
               <a:rPr lang="en-US" smtClean="0"/>
-              <a:t>6/14/2022</a:t>
+              <a:t>6/24/2022</a:t>
             </a:fld>
             <a:endParaRPr lang="en-US"/>
           </a:p>
@@ -1453,10 +1441,9 @@
           </a:lstStyle>
           <a:p>
             <a:r>
-              <a:rPr lang="en-US" smtClean="0"/>
+              <a:rPr lang="en-US"/>
               <a:t>Click to edit Master title style</a:t>
             </a:r>
-            <a:endParaRPr lang="en-US"/>
           </a:p>
         </p:txBody>
       </p:sp>
@@ -1519,7 +1506,7 @@
           <a:p>
             <a:pPr lvl="0"/>
             <a:r>
-              <a:rPr lang="en-US" smtClean="0"/>
+              <a:rPr lang="en-US"/>
               <a:t>Click to edit Master text styles</a:t>
             </a:r>
           </a:p>
@@ -1575,38 +1562,37 @@
           <a:p>
             <a:pPr lvl="0"/>
             <a:r>
-              <a:rPr lang="en-US" smtClean="0"/>
+              <a:rPr lang="en-US"/>
               <a:t>Click to edit Master text styles</a:t>
             </a:r>
           </a:p>
           <a:p>
             <a:pPr lvl="1"/>
             <a:r>
-              <a:rPr lang="en-US" smtClean="0"/>
+              <a:rPr lang="en-US"/>
               <a:t>Second level</a:t>
             </a:r>
           </a:p>
           <a:p>
             <a:pPr lvl="2"/>
             <a:r>
-              <a:rPr lang="en-US" smtClean="0"/>
+              <a:rPr lang="en-US"/>
               <a:t>Third level</a:t>
             </a:r>
           </a:p>
           <a:p>
             <a:pPr lvl="3"/>
             <a:r>
-              <a:rPr lang="en-US" smtClean="0"/>
+              <a:rPr lang="en-US"/>
               <a:t>Fourth level</a:t>
             </a:r>
           </a:p>
           <a:p>
             <a:pPr lvl="4"/>
             <a:r>
-              <a:rPr lang="en-US" smtClean="0"/>
+              <a:rPr lang="en-US"/>
               <a:t>Fifth level</a:t>
             </a:r>
-            <a:endParaRPr lang="en-US"/>
           </a:p>
         </p:txBody>
       </p:sp>
@@ -1669,7 +1655,7 @@
           <a:p>
             <a:pPr lvl="0"/>
             <a:r>
-              <a:rPr lang="en-US" smtClean="0"/>
+              <a:rPr lang="en-US"/>
               <a:t>Click to edit Master text styles</a:t>
             </a:r>
           </a:p>
@@ -1725,38 +1711,37 @@
           <a:p>
             <a:pPr lvl="0"/>
             <a:r>
-              <a:rPr lang="en-US" smtClean="0"/>
+              <a:rPr lang="en-US"/>
               <a:t>Click to edit Master text styles</a:t>
             </a:r>
           </a:p>
           <a:p>
             <a:pPr lvl="1"/>
             <a:r>
-              <a:rPr lang="en-US" smtClean="0"/>
+              <a:rPr lang="en-US"/>
               <a:t>Second level</a:t>
             </a:r>
           </a:p>
           <a:p>
             <a:pPr lvl="2"/>
             <a:r>
-              <a:rPr lang="en-US" smtClean="0"/>
+              <a:rPr lang="en-US"/>
               <a:t>Third level</a:t>
             </a:r>
           </a:p>
           <a:p>
             <a:pPr lvl="3"/>
             <a:r>
-              <a:rPr lang="en-US" smtClean="0"/>
+              <a:rPr lang="en-US"/>
               <a:t>Fourth level</a:t>
             </a:r>
           </a:p>
           <a:p>
             <a:pPr lvl="4"/>
             <a:r>
-              <a:rPr lang="en-US" smtClean="0"/>
+              <a:rPr lang="en-US"/>
               <a:t>Fifth level</a:t>
             </a:r>
-            <a:endParaRPr lang="en-US"/>
           </a:p>
         </p:txBody>
       </p:sp>
@@ -1777,7 +1762,7 @@
           <a:p>
             <a:fld id="{A76116CE-C4A3-4A05-B2D7-7C2E9A889C0F}" type="datetimeFigureOut">
               <a:rPr lang="en-US" smtClean="0"/>
-              <a:t>6/14/2022</a:t>
+              <a:t>6/24/2022</a:t>
             </a:fld>
             <a:endParaRPr lang="en-US"/>
           </a:p>
@@ -1866,10 +1851,9 @@
           <a:lstStyle/>
           <a:p>
             <a:r>
-              <a:rPr lang="en-US" smtClean="0"/>
+              <a:rPr lang="en-US"/>
               <a:t>Click to edit Master title style</a:t>
             </a:r>
-            <a:endParaRPr lang="en-US"/>
           </a:p>
         </p:txBody>
       </p:sp>
@@ -1890,7 +1874,7 @@
           <a:p>
             <a:fld id="{A76116CE-C4A3-4A05-B2D7-7C2E9A889C0F}" type="datetimeFigureOut">
               <a:rPr lang="en-US" smtClean="0"/>
-              <a:t>6/14/2022</a:t>
+              <a:t>6/24/2022</a:t>
             </a:fld>
             <a:endParaRPr lang="en-US"/>
           </a:p>
@@ -1980,7 +1964,7 @@
           <a:p>
             <a:fld id="{A76116CE-C4A3-4A05-B2D7-7C2E9A889C0F}" type="datetimeFigureOut">
               <a:rPr lang="en-US" smtClean="0"/>
-              <a:t>6/14/2022</a:t>
+              <a:t>6/24/2022</a:t>
             </a:fld>
             <a:endParaRPr lang="en-US"/>
           </a:p>
@@ -2078,10 +2062,9 @@
           </a:lstStyle>
           <a:p>
             <a:r>
-              <a:rPr lang="en-US" smtClean="0"/>
+              <a:rPr lang="en-US"/>
               <a:t>Click to edit Master title style</a:t>
             </a:r>
-            <a:endParaRPr lang="en-US"/>
           </a:p>
         </p:txBody>
       </p:sp>
@@ -2135,38 +2118,37 @@
           <a:p>
             <a:pPr lvl="0"/>
             <a:r>
-              <a:rPr lang="en-US" smtClean="0"/>
+              <a:rPr lang="en-US"/>
               <a:t>Click to edit Master text styles</a:t>
             </a:r>
           </a:p>
           <a:p>
             <a:pPr lvl="1"/>
             <a:r>
-              <a:rPr lang="en-US" smtClean="0"/>
+              <a:rPr lang="en-US"/>
               <a:t>Second level</a:t>
             </a:r>
           </a:p>
           <a:p>
             <a:pPr lvl="2"/>
             <a:r>
-              <a:rPr lang="en-US" smtClean="0"/>
+              <a:rPr lang="en-US"/>
               <a:t>Third level</a:t>
             </a:r>
           </a:p>
           <a:p>
             <a:pPr lvl="3"/>
             <a:r>
-              <a:rPr lang="en-US" smtClean="0"/>
+              <a:rPr lang="en-US"/>
               <a:t>Fourth level</a:t>
             </a:r>
           </a:p>
           <a:p>
             <a:pPr lvl="4"/>
             <a:r>
-              <a:rPr lang="en-US" smtClean="0"/>
+              <a:rPr lang="en-US"/>
               <a:t>Fifth level</a:t>
             </a:r>
-            <a:endParaRPr lang="en-US"/>
           </a:p>
         </p:txBody>
       </p:sp>
@@ -2229,7 +2211,7 @@
           <a:p>
             <a:pPr lvl="0"/>
             <a:r>
-              <a:rPr lang="en-US" smtClean="0"/>
+              <a:rPr lang="en-US"/>
               <a:t>Click to edit Master text styles</a:t>
             </a:r>
           </a:p>
@@ -2252,7 +2234,7 @@
           <a:p>
             <a:fld id="{A76116CE-C4A3-4A05-B2D7-7C2E9A889C0F}" type="datetimeFigureOut">
               <a:rPr lang="en-US" smtClean="0"/>
-              <a:t>6/14/2022</a:t>
+              <a:t>6/24/2022</a:t>
             </a:fld>
             <a:endParaRPr lang="en-US"/>
           </a:p>
@@ -2350,10 +2332,9 @@
           </a:lstStyle>
           <a:p>
             <a:r>
-              <a:rPr lang="en-US" smtClean="0"/>
+              <a:rPr lang="en-US"/>
               <a:t>Click to edit Master title style</a:t>
             </a:r>
-            <a:endParaRPr lang="en-US"/>
           </a:p>
         </p:txBody>
       </p:sp>
@@ -2477,7 +2458,7 @@
           <a:p>
             <a:pPr lvl="0"/>
             <a:r>
-              <a:rPr lang="en-US" smtClean="0"/>
+              <a:rPr lang="en-US"/>
               <a:t>Click to edit Master text styles</a:t>
             </a:r>
           </a:p>
@@ -2500,7 +2481,7 @@
           <a:p>
             <a:fld id="{A76116CE-C4A3-4A05-B2D7-7C2E9A889C0F}" type="datetimeFigureOut">
               <a:rPr lang="en-US" smtClean="0"/>
-              <a:t>6/14/2022</a:t>
+              <a:t>6/24/2022</a:t>
             </a:fld>
             <a:endParaRPr lang="en-US"/>
           </a:p>
@@ -2604,10 +2585,9 @@
           <a:lstStyle/>
           <a:p>
             <a:r>
-              <a:rPr lang="en-US" smtClean="0"/>
+              <a:rPr lang="en-US"/>
               <a:t>Click to edit Master title style</a:t>
             </a:r>
-            <a:endParaRPr lang="en-US"/>
           </a:p>
         </p:txBody>
       </p:sp>
@@ -2638,38 +2618,37 @@
           <a:p>
             <a:pPr lvl="0"/>
             <a:r>
-              <a:rPr lang="en-US" smtClean="0"/>
+              <a:rPr lang="en-US"/>
               <a:t>Click to edit Master text styles</a:t>
             </a:r>
           </a:p>
           <a:p>
             <a:pPr lvl="1"/>
             <a:r>
-              <a:rPr lang="en-US" smtClean="0"/>
+              <a:rPr lang="en-US"/>
               <a:t>Second level</a:t>
             </a:r>
           </a:p>
           <a:p>
             <a:pPr lvl="2"/>
             <a:r>
-              <a:rPr lang="en-US" smtClean="0"/>
+              <a:rPr lang="en-US"/>
               <a:t>Third level</a:t>
             </a:r>
           </a:p>
           <a:p>
             <a:pPr lvl="3"/>
             <a:r>
-              <a:rPr lang="en-US" smtClean="0"/>
+              <a:rPr lang="en-US"/>
               <a:t>Fourth level</a:t>
             </a:r>
           </a:p>
           <a:p>
             <a:pPr lvl="4"/>
             <a:r>
-              <a:rPr lang="en-US" smtClean="0"/>
+              <a:rPr lang="en-US"/>
               <a:t>Fifth level</a:t>
             </a:r>
-            <a:endParaRPr lang="en-US"/>
           </a:p>
         </p:txBody>
       </p:sp>
@@ -2708,7 +2687,7 @@
           <a:p>
             <a:fld id="{F8166F1F-CE9B-4651-A6AA-CD717754106B}" type="datetimeFigureOut">
               <a:rPr lang="en-US" smtClean="0"/>
-              <a:t>6/14/2022</a:t>
+              <a:t>6/24/2022</a:t>
             </a:fld>
             <a:endParaRPr lang="en-US"/>
           </a:p>
@@ -3109,7 +3088,7 @@
           <a:lstStyle/>
           <a:p>
             <a:r>
-              <a:rPr lang="en-US" sz="12900" kern="0" spc="300" smtClean="0">
+              <a:rPr lang="en-US" sz="12900" kern="0" spc="300">
                 <a:solidFill>
                   <a:srgbClr val="FFFBF0"/>
                 </a:solidFill>
@@ -3355,7 +3334,7 @@
           <a:lstStyle/>
           <a:p>
             <a:r>
-              <a:rPr lang="ko-KR" altLang="en-US" sz="3400" kern="0" spc="100" smtClean="0">
+              <a:rPr lang="ko-KR" altLang="en-US" sz="3400" kern="0" spc="100">
                 <a:solidFill>
                   <a:srgbClr val="FFFBF0"/>
                 </a:solidFill>
@@ -3364,7 +3343,7 @@
               <a:t>소셜 네트워크형 여행지 추천</a:t>
             </a:r>
             <a:r>
-              <a:rPr lang="en-US" altLang="ko-KR" sz="3400" kern="0" spc="100" smtClean="0">
+              <a:rPr lang="en-US" altLang="ko-KR" sz="3400" kern="0" spc="100">
                 <a:solidFill>
                   <a:srgbClr val="FFFBF0"/>
                 </a:solidFill>
@@ -3373,7 +3352,7 @@
               <a:t>&amp; </a:t>
             </a:r>
             <a:r>
-              <a:rPr lang="ko-KR" altLang="en-US" sz="3400" kern="0" spc="100" smtClean="0">
+              <a:rPr lang="ko-KR" altLang="en-US" sz="3400" kern="0" spc="100">
                 <a:solidFill>
                   <a:srgbClr val="FFFBF0"/>
                 </a:solidFill>
@@ -3408,13 +3387,40 @@
           <a:lstStyle/>
           <a:p>
             <a:r>
-              <a:rPr lang="ko-KR" altLang="en-US" sz="2400" kern="0" spc="100" smtClean="0">
+              <a:rPr lang="ko-KR" altLang="en-US" sz="2400" kern="0" spc="100" dirty="0">
                 <a:solidFill>
                   <a:srgbClr val="FFFBF0"/>
                 </a:solidFill>
                 <a:latin typeface="Jalnan OTF" pitchFamily="34" charset="0"/>
               </a:rPr>
-              <a:t>이경민 김형준 박솔찬 오태규 박성욱</a:t>
+              <a:t>이경민 </a:t>
+            </a:r>
+            <a:r>
+              <a:rPr lang="ko-KR" altLang="en-US" sz="2400" kern="0" spc="100">
+                <a:solidFill>
+                  <a:srgbClr val="FFFBF0"/>
+                </a:solidFill>
+                <a:latin typeface="Jalnan OTF" pitchFamily="34" charset="0"/>
+              </a:rPr>
+              <a:t>외 </a:t>
+            </a:r>
+            <a:r>
+              <a:rPr lang="en-US" altLang="ko-KR" sz="2400" kern="0" spc="100">
+                <a:solidFill>
+                  <a:srgbClr val="FFFBF0"/>
+                </a:solidFill>
+                <a:latin typeface="Jalnan OTF" pitchFamily="34" charset="0"/>
+              </a:rPr>
+              <a:t>4</a:t>
+            </a:r>
+            <a:r>
+              <a:rPr lang="ko-KR" altLang="en-US" sz="2400" kern="0" spc="100">
+                <a:solidFill>
+                  <a:srgbClr val="FFFBF0"/>
+                </a:solidFill>
+                <a:latin typeface="Jalnan OTF" pitchFamily="34" charset="0"/>
+              </a:rPr>
+              <a:t>명</a:t>
             </a:r>
             <a:endParaRPr lang="en-US" sz="1200" dirty="0"/>
           </a:p>
@@ -3425,13 +3431,6 @@
   <p:clrMapOvr>
     <a:masterClrMapping/>
   </p:clrMapOvr>
-  <p:timing>
-    <p:tnLst>
-      <p:par>
-        <p:cTn id="1" dur="indefinite" restart="never" nodeType="tmRoot"/>
-      </p:par>
-    </p:tnLst>
-  </p:timing>
 </p:sld>
 </file>
 
@@ -3483,7 +3482,7 @@
           <a:lstStyle/>
           <a:p>
             <a:r>
-              <a:rPr lang="en-US" sz="2400" smtClean="0">
+              <a:rPr lang="en-US" sz="2400">
                 <a:latin typeface="Jalnan OTF"/>
               </a:rPr>
               <a:t>GitHub</a:t>
@@ -3795,30 +3794,30 @@
           <a:lstStyle/>
           <a:p>
             <a:r>
-              <a:rPr lang="en-US" altLang="ko-KR" smtClean="0">
+              <a:rPr lang="en-US" altLang="ko-KR">
                 <a:latin typeface="Jalnan OTF"/>
               </a:rPr>
               <a:t>Ddl_final </a:t>
             </a:r>
             <a:r>
-              <a:rPr lang="ko-KR" altLang="en-US" smtClean="0">
+              <a:rPr lang="ko-KR" altLang="en-US">
                 <a:latin typeface="Jalnan OTF"/>
               </a:rPr>
               <a:t>다운로드 후 실행</a:t>
             </a:r>
             <a:r>
-              <a:rPr lang="en-US" altLang="ko-KR" smtClean="0">
+              <a:rPr lang="en-US" altLang="ko-KR">
                 <a:latin typeface="Jalnan OTF"/>
               </a:rPr>
               <a:t>, </a:t>
             </a:r>
             <a:r>
-              <a:rPr lang="ko-KR" altLang="en-US" smtClean="0">
+              <a:rPr lang="ko-KR" altLang="en-US">
                 <a:latin typeface="Jalnan OTF"/>
               </a:rPr>
               <a:t>테이블과 시퀀스 생성</a:t>
             </a:r>
-            <a:endParaRPr lang="en-US" altLang="ko-KR" smtClean="0">
+            <a:endParaRPr lang="en-US" altLang="ko-KR">
               <a:latin typeface="Jalnan OTF"/>
             </a:endParaRPr>
           </a:p>
@@ -3861,13 +3860,6 @@
   <p:clrMapOvr>
     <a:overrideClrMapping bg1="lt1" tx1="dk1" bg2="lt2" tx2="dk2" accent1="accent1" accent2="accent2" accent3="accent3" accent4="accent4" accent5="accent5" accent6="accent6" hlink="hlink" folHlink="folHlink"/>
   </p:clrMapOvr>
-  <p:timing>
-    <p:tnLst>
-      <p:par>
-        <p:cTn id="1" dur="indefinite" restart="never" nodeType="tmRoot"/>
-      </p:par>
-    </p:tnLst>
-  </p:timing>
 </p:sld>
 </file>
 
@@ -3933,7 +3925,7 @@
             <a:lstStyle/>
             <a:p>
               <a:r>
-                <a:rPr lang="en-US" sz="2400" smtClean="0">
+                <a:rPr lang="en-US" sz="2400">
                   <a:latin typeface="Jalnan OTF"/>
                 </a:rPr>
                 <a:t>GitHub</a:t>
@@ -4246,31 +4238,31 @@
           <a:lstStyle/>
           <a:p>
             <a:r>
-              <a:rPr lang="en-US" altLang="ko-KR" smtClean="0">
+              <a:rPr lang="en-US" altLang="ko-KR">
                 <a:latin typeface="Jalnan OTF"/>
               </a:rPr>
               <a:t>FS_final </a:t>
             </a:r>
             <a:r>
-              <a:rPr lang="ko-KR" altLang="en-US" smtClean="0">
+              <a:rPr lang="ko-KR" altLang="en-US">
                 <a:latin typeface="Jalnan OTF"/>
               </a:rPr>
               <a:t>다운로드 후 </a:t>
             </a:r>
             <a:r>
-              <a:rPr lang="en-US" altLang="ko-KR" smtClean="0">
+              <a:rPr lang="en-US" altLang="ko-KR">
                 <a:latin typeface="Jalnan OTF"/>
               </a:rPr>
               <a:t>Spring Framwork</a:t>
             </a:r>
             <a:r>
-              <a:rPr lang="ko-KR" altLang="en-US" smtClean="0">
+              <a:rPr lang="ko-KR" altLang="en-US">
                 <a:latin typeface="Jalnan OTF"/>
               </a:rPr>
               <a:t>로 </a:t>
             </a:r>
             <a:r>
-              <a:rPr lang="en-US" altLang="ko-KR" smtClean="0">
+              <a:rPr lang="en-US" altLang="ko-KR">
                 <a:latin typeface="Jalnan OTF"/>
               </a:rPr>
               <a:t>Import</a:t>
@@ -4283,60 +4275,57 @@
           </a:p>
           <a:p>
             <a:r>
-              <a:rPr lang="en-US" altLang="ko-KR" smtClean="0">
+              <a:rPr lang="en-US" altLang="ko-KR">
                 <a:latin typeface="Jalnan OTF"/>
               </a:rPr>
               <a:t>Server.xml</a:t>
             </a:r>
             <a:r>
-              <a:rPr lang="ko-KR" altLang="en-US" smtClean="0">
+              <a:rPr lang="ko-KR" altLang="en-US">
                 <a:latin typeface="Jalnan OTF"/>
               </a:rPr>
               <a:t>의 해당 부분을 </a:t>
             </a:r>
             <a:r>
-              <a:rPr lang="en-US" altLang="ko-KR" smtClean="0">
+              <a:rPr lang="en-US" altLang="ko-KR">
                 <a:latin typeface="Jalnan OTF"/>
               </a:rPr>
               <a:t>port=“8182”</a:t>
             </a:r>
             <a:r>
-              <a:rPr lang="ko-KR" altLang="en-US" smtClean="0">
+              <a:rPr lang="ko-KR" altLang="en-US">
                 <a:latin typeface="Jalnan OTF"/>
               </a:rPr>
               <a:t>로 수정</a:t>
             </a:r>
-            <a:endParaRPr lang="en-US" altLang="ko-KR" smtClean="0">
-              <a:latin typeface="Jalnan OTF"/>
-            </a:endParaRPr>
-          </a:p>
-          <a:p>
             <a:endParaRPr lang="en-US" altLang="ko-KR">
               <a:latin typeface="Jalnan OTF"/>
             </a:endParaRPr>
           </a:p>
           <a:p>
-            <a:r>
-              <a:rPr lang="ko-KR" altLang="en-US" smtClean="0">
-                <a:latin typeface="Jalnan OTF"/>
-              </a:rPr>
-              <a:t>이후 </a:t>
-            </a:r>
-            <a:r>
-              <a:rPr lang="en-US" altLang="ko-KR" smtClean="0">
-                <a:latin typeface="Jalnan OTF"/>
-              </a:rPr>
-              <a:t>controller</a:t>
-            </a:r>
-            <a:r>
-              <a:rPr lang="ko-KR" altLang="en-US" smtClean="0">
-                <a:latin typeface="Jalnan OTF"/>
-              </a:rPr>
-              <a:t>로 실행</a:t>
-            </a:r>
-            <a:endParaRPr lang="ko-KR" altLang="en-US">
+            <a:endParaRPr lang="en-US" altLang="ko-KR">
               <a:latin typeface="Jalnan OTF"/>
             </a:endParaRPr>
+          </a:p>
+          <a:p>
+            <a:r>
+              <a:rPr lang="ko-KR" altLang="en-US">
+                <a:latin typeface="Jalnan OTF"/>
+              </a:rPr>
+              <a:t>이후 </a:t>
+            </a:r>
+            <a:r>
+              <a:rPr lang="en-US" altLang="ko-KR">
+                <a:latin typeface="Jalnan OTF"/>
+              </a:rPr>
+              <a:t>controller</a:t>
+            </a:r>
+            <a:r>
+              <a:rPr lang="ko-KR" altLang="en-US">
+                <a:latin typeface="Jalnan OTF"/>
+              </a:rPr>
+              <a:t>로 실행</a:t>
+            </a:r>
           </a:p>
         </p:txBody>
       </p:sp>
@@ -4410,13 +4399,6 @@
   <p:clrMapOvr>
     <a:overrideClrMapping bg1="lt1" tx1="dk1" bg2="lt2" tx2="dk2" accent1="accent1" accent2="accent2" accent3="accent3" accent4="accent4" accent5="accent5" accent6="accent6" hlink="hlink" folHlink="folHlink"/>
   </p:clrMapOvr>
-  <p:timing>
-    <p:tnLst>
-      <p:par>
-        <p:cTn id="1" dur="indefinite" restart="never" nodeType="tmRoot"/>
-      </p:par>
-    </p:tnLst>
-  </p:timing>
 </p:sld>
 </file>
 
@@ -4482,7 +4464,7 @@
             <a:lstStyle/>
             <a:p>
               <a:r>
-                <a:rPr lang="en-US" sz="2400" smtClean="0">
+                <a:rPr lang="en-US" sz="2400">
                   <a:latin typeface="Jalnan OTF"/>
                 </a:rPr>
                 <a:t>Kakao Api</a:t>
@@ -4732,19 +4714,19 @@
               </a:lnSpc>
             </a:pPr>
             <a:r>
-              <a:rPr lang="ko-KR" altLang="en-US" dirty="0" smtClean="0">
+              <a:rPr lang="ko-KR" altLang="en-US" dirty="0">
                 <a:latin typeface="Jalnan OTF"/>
               </a:rPr>
               <a:t>지도 </a:t>
             </a:r>
             <a:r>
-              <a:rPr lang="en-US" altLang="ko-KR" dirty="0" smtClean="0">
+              <a:rPr lang="en-US" altLang="ko-KR" dirty="0">
                 <a:latin typeface="Jalnan OTF"/>
               </a:rPr>
               <a:t>API</a:t>
             </a:r>
             <a:r>
-              <a:rPr lang="ko-KR" altLang="en-US" dirty="0" smtClean="0">
+              <a:rPr lang="ko-KR" altLang="en-US" dirty="0">
                 <a:latin typeface="Jalnan OTF"/>
               </a:rPr>
               <a:t>를 사용하기 위해</a:t>
@@ -4756,36 +4738,36 @@
               <a:t> </a:t>
             </a:r>
             <a:r>
-              <a:rPr lang="en-US" altLang="ko-KR" dirty="0" err="1" smtClean="0">
+              <a:rPr lang="en-US" altLang="ko-KR" dirty="0" err="1">
                 <a:latin typeface="Jalnan OTF"/>
               </a:rPr>
               <a:t>kakao</a:t>
             </a:r>
             <a:r>
-              <a:rPr lang="en-US" altLang="ko-KR" dirty="0" smtClean="0">
+              <a:rPr lang="en-US" altLang="ko-KR" dirty="0">
                 <a:latin typeface="Jalnan OTF"/>
               </a:rPr>
               <a:t> </a:t>
             </a:r>
             <a:r>
-              <a:rPr lang="en-US" altLang="ko-KR" dirty="0" err="1" smtClean="0">
+              <a:rPr lang="en-US" altLang="ko-KR" dirty="0" err="1">
                 <a:latin typeface="Jalnan OTF"/>
               </a:rPr>
               <a:t>mapAPI</a:t>
             </a:r>
             <a:r>
-              <a:rPr lang="en-US" altLang="ko-KR" dirty="0" smtClean="0">
+              <a:rPr lang="en-US" altLang="ko-KR" dirty="0">
                 <a:latin typeface="Jalnan OTF"/>
               </a:rPr>
               <a:t> </a:t>
             </a:r>
             <a:r>
-              <a:rPr lang="ko-KR" altLang="en-US" dirty="0" smtClean="0">
+              <a:rPr lang="ko-KR" altLang="en-US" dirty="0">
                 <a:latin typeface="Jalnan OTF"/>
               </a:rPr>
               <a:t>홈페이지에 접속 후</a:t>
             </a:r>
-            <a:endParaRPr lang="en-US" altLang="ko-KR" dirty="0" smtClean="0">
+            <a:endParaRPr lang="en-US" altLang="ko-KR" dirty="0">
               <a:latin typeface="Jalnan OTF"/>
             </a:endParaRPr>
           </a:p>
@@ -4796,19 +4778,19 @@
               </a:lnSpc>
             </a:pPr>
             <a:r>
-              <a:rPr lang="en-US" altLang="ko-KR" smtClean="0">
+              <a:rPr lang="en-US" altLang="ko-KR">
                 <a:latin typeface="Jalnan OTF"/>
               </a:rPr>
               <a:t>APP KEY </a:t>
             </a:r>
             <a:r>
-              <a:rPr lang="ko-KR" altLang="en-US" smtClean="0">
+              <a:rPr lang="ko-KR" altLang="en-US">
                 <a:latin typeface="Jalnan OTF"/>
               </a:rPr>
               <a:t>발급</a:t>
             </a:r>
             <a:r>
-              <a:rPr lang="en-US" altLang="ko-KR" smtClean="0">
+              <a:rPr lang="en-US" altLang="ko-KR">
                 <a:latin typeface="Jalnan OTF"/>
               </a:rPr>
               <a:t>.</a:t>
@@ -4820,7 +4802,7 @@
                 <a:spcPct val="150000"/>
               </a:lnSpc>
             </a:pPr>
-            <a:endParaRPr lang="en-US" altLang="ko-KR" dirty="0" smtClean="0">
+            <a:endParaRPr lang="en-US" altLang="ko-KR" dirty="0">
               <a:latin typeface="Jalnan OTF"/>
             </a:endParaRPr>
           </a:p>
@@ -4831,60 +4813,60 @@
               </a:lnSpc>
             </a:pPr>
             <a:r>
-              <a:rPr lang="en-US" altLang="ko-KR" dirty="0" smtClean="0">
+              <a:rPr lang="en-US" altLang="ko-KR" dirty="0">
                 <a:latin typeface="Jalnan OTF"/>
               </a:rPr>
               <a:t>Java Script </a:t>
             </a:r>
             <a:r>
-              <a:rPr lang="ko-KR" altLang="en-US" dirty="0" smtClean="0">
+              <a:rPr lang="ko-KR" altLang="en-US" dirty="0">
                 <a:latin typeface="Jalnan OTF"/>
               </a:rPr>
               <a:t>키 를 복사한 뒤 </a:t>
             </a:r>
             <a:r>
-              <a:rPr lang="en-US" altLang="ko-KR" dirty="0" err="1" smtClean="0">
+              <a:rPr lang="en-US" altLang="ko-KR" dirty="0" err="1">
                 <a:latin typeface="Jalnan OTF"/>
               </a:rPr>
               <a:t>main.jsp</a:t>
             </a:r>
             <a:r>
-              <a:rPr lang="en-US" altLang="ko-KR" dirty="0" smtClean="0">
+              <a:rPr lang="en-US" altLang="ko-KR" dirty="0">
                 <a:latin typeface="Jalnan OTF"/>
               </a:rPr>
               <a:t> , </a:t>
             </a:r>
             <a:r>
-              <a:rPr lang="en-US" altLang="ko-KR" dirty="0" err="1" smtClean="0">
+              <a:rPr lang="en-US" altLang="ko-KR" dirty="0" err="1">
                 <a:latin typeface="Jalnan OTF"/>
               </a:rPr>
               <a:t>mypage.jsp</a:t>
             </a:r>
             <a:r>
-              <a:rPr lang="en-US" altLang="ko-KR" dirty="0" smtClean="0">
+              <a:rPr lang="en-US" altLang="ko-KR" dirty="0">
                 <a:latin typeface="Jalnan OTF"/>
               </a:rPr>
               <a:t> , </a:t>
             </a:r>
             <a:r>
-              <a:rPr lang="en-US" altLang="ko-KR" dirty="0" err="1" smtClean="0">
+              <a:rPr lang="en-US" altLang="ko-KR" dirty="0" err="1">
                 <a:latin typeface="Jalnan OTF"/>
               </a:rPr>
               <a:t>settings.jsp</a:t>
             </a:r>
             <a:r>
-              <a:rPr lang="en-US" altLang="ko-KR" dirty="0" smtClean="0">
+              <a:rPr lang="en-US" altLang="ko-KR" dirty="0">
                 <a:latin typeface="Jalnan OTF"/>
               </a:rPr>
               <a:t> </a:t>
             </a:r>
             <a:r>
-              <a:rPr lang="ko-KR" altLang="en-US" dirty="0" smtClean="0">
+              <a:rPr lang="ko-KR" altLang="en-US" dirty="0">
                 <a:latin typeface="Jalnan OTF"/>
               </a:rPr>
               <a:t>파일에</a:t>
             </a:r>
-            <a:endParaRPr lang="en-US" altLang="ko-KR" dirty="0" smtClean="0">
+            <a:endParaRPr lang="en-US" altLang="ko-KR" dirty="0">
               <a:latin typeface="Jalnan OTF"/>
             </a:endParaRPr>
           </a:p>
@@ -4895,38 +4877,35 @@
               </a:lnSpc>
             </a:pPr>
             <a:r>
-              <a:rPr lang="en-US" altLang="ko-KR" dirty="0" err="1" smtClean="0">
+              <a:rPr lang="en-US" altLang="ko-KR" dirty="0" err="1">
                 <a:latin typeface="Jalnan OTF"/>
               </a:rPr>
               <a:t>appkey</a:t>
             </a:r>
             <a:r>
-              <a:rPr lang="ko-KR" altLang="en-US" dirty="0" smtClean="0">
+              <a:rPr lang="ko-KR" altLang="en-US" dirty="0">
                 <a:latin typeface="Jalnan OTF"/>
               </a:rPr>
               <a:t>를 검색 후 사용자의 </a:t>
             </a:r>
             <a:r>
-              <a:rPr lang="ko-KR" altLang="en-US" err="1" smtClean="0">
+              <a:rPr lang="ko-KR" altLang="en-US" err="1">
                 <a:latin typeface="Jalnan OTF"/>
               </a:rPr>
               <a:t>앱키를</a:t>
             </a:r>
             <a:r>
-              <a:rPr lang="ko-KR" altLang="en-US" smtClean="0">
+              <a:rPr lang="ko-KR" altLang="en-US">
                 <a:latin typeface="Jalnan OTF"/>
               </a:rPr>
               <a:t> 붙여넣는다</a:t>
             </a:r>
             <a:r>
-              <a:rPr lang="en-US" altLang="ko-KR" dirty="0" smtClean="0">
+              <a:rPr lang="en-US" altLang="ko-KR" dirty="0">
                 <a:latin typeface="Jalnan OTF"/>
               </a:rPr>
               <a:t>.</a:t>
             </a:r>
-            <a:endParaRPr lang="en-US" altLang="ko-KR" dirty="0">
-              <a:latin typeface="Jalnan OTF"/>
-            </a:endParaRPr>
           </a:p>
         </p:txBody>
       </p:sp>
@@ -5131,22 +5110,21 @@
           <a:lstStyle/>
           <a:p>
             <a:r>
-              <a:rPr lang="en-US" altLang="ko-KR" smtClean="0"/>
+              <a:rPr lang="en-US" altLang="ko-KR"/>
               <a:t>APPKEY= </a:t>
             </a:r>
             <a:r>
-              <a:rPr lang="ko-KR" altLang="en-US" smtClean="0"/>
+              <a:rPr lang="ko-KR" altLang="en-US"/>
               <a:t>와 </a:t>
             </a:r>
             <a:r>
-              <a:rPr lang="en-US" altLang="ko-KR" smtClean="0"/>
+              <a:rPr lang="en-US" altLang="ko-KR"/>
               <a:t>&amp;libraries… </a:t>
             </a:r>
             <a:r>
-              <a:rPr lang="ko-KR" altLang="en-US" smtClean="0"/>
+              <a:rPr lang="ko-KR" altLang="en-US"/>
               <a:t>사이에 붙여넣기</a:t>
             </a:r>
-            <a:endParaRPr lang="ko-KR" altLang="en-US"/>
           </a:p>
         </p:txBody>
       </p:sp>
@@ -5206,13 +5184,6 @@
   <p:clrMapOvr>
     <a:overrideClrMapping bg1="lt1" tx1="dk1" bg2="lt2" tx2="dk2" accent1="accent1" accent2="accent2" accent3="accent3" accent4="accent4" accent5="accent5" accent6="accent6" hlink="hlink" folHlink="folHlink"/>
   </p:clrMapOvr>
-  <p:timing>
-    <p:tnLst>
-      <p:par>
-        <p:cTn id="1" dur="indefinite" restart="never" nodeType="tmRoot"/>
-      </p:par>
-    </p:tnLst>
-  </p:timing>
 </p:sld>
 </file>
 
@@ -5435,22 +5406,21 @@
           <a:lstStyle/>
           <a:p>
             <a:r>
-              <a:rPr lang="en-US" altLang="ko-KR" smtClean="0"/>
+              <a:rPr lang="en-US" altLang="ko-KR"/>
               <a:t>Upload.zip</a:t>
             </a:r>
             <a:r>
-              <a:rPr lang="ko-KR" altLang="en-US" smtClean="0"/>
+              <a:rPr lang="ko-KR" altLang="en-US"/>
               <a:t>을 </a:t>
             </a:r>
             <a:r>
-              <a:rPr lang="en-US" altLang="ko-KR" smtClean="0"/>
+              <a:rPr lang="en-US" altLang="ko-KR"/>
               <a:t>c </a:t>
             </a:r>
             <a:r>
-              <a:rPr lang="ko-KR" altLang="en-US" smtClean="0"/>
+              <a:rPr lang="ko-KR" altLang="en-US"/>
               <a:t>드라이브 최상단에 압축 해제</a:t>
             </a:r>
-            <a:endParaRPr lang="ko-KR" altLang="en-US"/>
           </a:p>
         </p:txBody>
       </p:sp>
@@ -5488,13 +5458,6 @@
   <p:clrMapOvr>
     <a:overrideClrMapping bg1="lt1" tx1="dk1" bg2="lt2" tx2="dk2" accent1="accent1" accent2="accent2" accent3="accent3" accent4="accent4" accent5="accent5" accent6="accent6" hlink="hlink" folHlink="folHlink"/>
   </p:clrMapOvr>
-  <p:timing>
-    <p:tnLst>
-      <p:par>
-        <p:cTn id="1" dur="indefinite" restart="never" nodeType="tmRoot"/>
-      </p:par>
-    </p:tnLst>
-  </p:timing>
 </p:sld>
 </file>
 
@@ -5757,7 +5720,7 @@
           <a:p>
             <a:pPr algn="r"/>
             <a:r>
-              <a:rPr lang="en-US" sz="21400" kern="0" spc="500" smtClean="0">
+              <a:rPr lang="en-US" sz="21400" kern="0" spc="500">
                 <a:solidFill>
                   <a:srgbClr val="FDAAA2"/>
                 </a:solidFill>
@@ -5832,7 +5795,7 @@
           <a:lstStyle/>
           <a:p>
             <a:r>
-              <a:rPr lang="ko-KR" altLang="en-US" sz="4100" kern="0" spc="100" smtClean="0">
+              <a:rPr lang="ko-KR" altLang="en-US" sz="4100" kern="0" spc="100">
                 <a:solidFill>
                   <a:srgbClr val="FDAAA2"/>
                 </a:solidFill>
@@ -5854,13 +5817,6 @@
   <p:clrMapOvr>
     <a:overrideClrMapping bg1="lt1" tx1="dk1" bg2="lt2" tx2="dk2" accent1="accent1" accent2="accent2" accent3="accent3" accent4="accent4" accent5="accent5" accent6="accent6" hlink="hlink" folHlink="folHlink"/>
   </p:clrMapOvr>
-  <p:timing>
-    <p:tnLst>
-      <p:par>
-        <p:cTn id="1" dur="indefinite" restart="never" nodeType="tmRoot"/>
-      </p:par>
-    </p:tnLst>
-  </p:timing>
 </p:sld>
 </file>
 
@@ -6083,7 +6039,7 @@
           <a:lstStyle/>
           <a:p>
             <a:r>
-              <a:rPr lang="en-US" sz="2400" smtClean="0">
+              <a:rPr lang="en-US" sz="2400">
                 <a:latin typeface="Jalnan OTF"/>
               </a:rPr>
               <a:t>Main</a:t>
@@ -6264,77 +6220,77 @@
           <a:lstStyle/>
           <a:p>
             <a:r>
-              <a:rPr lang="en-US" altLang="ko-KR" sz="2000" smtClean="0">
+              <a:rPr lang="en-US" altLang="ko-KR" sz="2000">
                 <a:latin typeface="Jalnan OTF"/>
               </a:rPr>
               <a:t>Main </a:t>
             </a:r>
             <a:r>
-              <a:rPr lang="ko-KR" altLang="en-US" sz="2000" smtClean="0">
+              <a:rPr lang="ko-KR" altLang="en-US" sz="2000">
                 <a:latin typeface="Jalnan OTF"/>
               </a:rPr>
               <a:t>접속 시 최초로 출력되는 화면</a:t>
             </a:r>
-            <a:endParaRPr lang="en-US" altLang="ko-KR" sz="2000" smtClean="0">
-              <a:latin typeface="Jalnan OTF"/>
-            </a:endParaRPr>
-          </a:p>
-          <a:p>
             <a:endParaRPr lang="en-US" altLang="ko-KR" sz="2000">
               <a:latin typeface="Jalnan OTF"/>
             </a:endParaRPr>
           </a:p>
           <a:p>
-            <a:r>
-              <a:rPr lang="ko-KR" altLang="en-US" sz="2000" smtClean="0">
-                <a:latin typeface="Jalnan OTF"/>
-              </a:rPr>
-              <a:t>프로필 이미지가 기본 이미지 </a:t>
-            </a:r>
-            <a:r>
-              <a:rPr lang="en-US" altLang="ko-KR" sz="2000" smtClean="0">
-                <a:latin typeface="Jalnan OTF"/>
-              </a:rPr>
-              <a:t>“default”</a:t>
-            </a:r>
-            <a:r>
-              <a:rPr lang="ko-KR" altLang="en-US" sz="2000" smtClean="0">
-                <a:latin typeface="Jalnan OTF"/>
-              </a:rPr>
-              <a:t>일 시</a:t>
-            </a:r>
-            <a:endParaRPr lang="en-US" altLang="ko-KR" sz="2000" smtClean="0">
-              <a:latin typeface="Jalnan OTF"/>
-            </a:endParaRPr>
-          </a:p>
-          <a:p>
-            <a:r>
-              <a:rPr lang="ko-KR" altLang="en-US" sz="2000" smtClean="0">
-                <a:latin typeface="Jalnan OTF"/>
-              </a:rPr>
-              <a:t>프로필 이미지를 업데이트 할 수 있는 창이 생성된다</a:t>
-            </a:r>
-            <a:r>
-              <a:rPr lang="en-US" altLang="ko-KR" sz="2000" smtClean="0">
-                <a:latin typeface="Jalnan OTF"/>
-              </a:rPr>
-              <a:t>.</a:t>
-            </a:r>
-          </a:p>
-          <a:p>
             <a:endParaRPr lang="en-US" altLang="ko-KR" sz="2000">
               <a:latin typeface="Jalnan OTF"/>
             </a:endParaRPr>
           </a:p>
           <a:p>
             <a:r>
-              <a:rPr lang="ko-KR" altLang="en-US" sz="2000" smtClean="0">
+              <a:rPr lang="ko-KR" altLang="en-US" sz="2000">
+                <a:latin typeface="Jalnan OTF"/>
+              </a:rPr>
+              <a:t>프로필 이미지가 기본 이미지 </a:t>
+            </a:r>
+            <a:r>
+              <a:rPr lang="en-US" altLang="ko-KR" sz="2000">
+                <a:latin typeface="Jalnan OTF"/>
+              </a:rPr>
+              <a:t>“default”</a:t>
+            </a:r>
+            <a:r>
+              <a:rPr lang="ko-KR" altLang="en-US" sz="2000">
+                <a:latin typeface="Jalnan OTF"/>
+              </a:rPr>
+              <a:t>일 시</a:t>
+            </a:r>
+            <a:endParaRPr lang="en-US" altLang="ko-KR" sz="2000">
+              <a:latin typeface="Jalnan OTF"/>
+            </a:endParaRPr>
+          </a:p>
+          <a:p>
+            <a:r>
+              <a:rPr lang="ko-KR" altLang="en-US" sz="2000">
+                <a:latin typeface="Jalnan OTF"/>
+              </a:rPr>
+              <a:t>프로필 이미지를 업데이트 할 수 있는 창이 생성된다</a:t>
+            </a:r>
+            <a:r>
+              <a:rPr lang="en-US" altLang="ko-KR" sz="2000">
+                <a:latin typeface="Jalnan OTF"/>
+              </a:rPr>
+              <a:t>.</a:t>
+            </a:r>
+          </a:p>
+          <a:p>
+            <a:endParaRPr lang="en-US" altLang="ko-KR" sz="2000">
+              <a:latin typeface="Jalnan OTF"/>
+            </a:endParaRPr>
+          </a:p>
+          <a:p>
+            <a:r>
+              <a:rPr lang="ko-KR" altLang="en-US" sz="2000">
                 <a:latin typeface="Jalnan OTF"/>
               </a:rPr>
               <a:t>이미지 업로드 버튼을 클릭하면 프로필 이미지를 업데이트 가능</a:t>
             </a:r>
             <a:r>
-              <a:rPr lang="en-US" altLang="ko-KR" sz="2000" smtClean="0">
+              <a:rPr lang="en-US" altLang="ko-KR" sz="2000">
                 <a:latin typeface="Jalnan OTF"/>
               </a:rPr>
               <a:t>.</a:t>
@@ -6428,13 +6384,6 @@
   <p:clrMapOvr>
     <a:overrideClrMapping bg1="lt1" tx1="dk1" bg2="lt2" tx2="dk2" accent1="accent1" accent2="accent2" accent3="accent3" accent4="accent4" accent5="accent5" accent6="accent6" hlink="hlink" folHlink="folHlink"/>
   </p:clrMapOvr>
-  <p:timing>
-    <p:tnLst>
-      <p:par>
-        <p:cTn id="1" dur="indefinite" restart="never" nodeType="tmRoot"/>
-      </p:par>
-    </p:tnLst>
-  </p:timing>
 </p:sld>
 </file>
 
@@ -6657,7 +6606,7 @@
           <a:lstStyle/>
           <a:p>
             <a:r>
-              <a:rPr lang="en-US" sz="2400" smtClean="0">
+              <a:rPr lang="en-US" sz="2400">
                 <a:latin typeface="Jalnan OTF"/>
               </a:rPr>
               <a:t>Main</a:t>
@@ -6730,178 +6679,178 @@
           <a:lstStyle/>
           <a:p>
             <a:r>
-              <a:rPr lang="en-US" altLang="ko-KR" sz="2000" smtClean="0">
+              <a:rPr lang="en-US" altLang="ko-KR" sz="2000">
                 <a:latin typeface="Jalnan OTF"/>
               </a:rPr>
               <a:t>Main </a:t>
             </a:r>
             <a:r>
-              <a:rPr lang="ko-KR" altLang="en-US" sz="2000" smtClean="0">
+              <a:rPr lang="ko-KR" altLang="en-US" sz="2000">
                 <a:latin typeface="Jalnan OTF"/>
               </a:rPr>
               <a:t>화면 </a:t>
             </a:r>
             <a:r>
-              <a:rPr lang="en-US" altLang="ko-KR" sz="2000" smtClean="0">
+              <a:rPr lang="en-US" altLang="ko-KR" sz="2000">
                 <a:latin typeface="Jalnan OTF"/>
               </a:rPr>
               <a:t>– </a:t>
             </a:r>
             <a:r>
-              <a:rPr lang="ko-KR" altLang="en-US" sz="2000" smtClean="0">
+              <a:rPr lang="ko-KR" altLang="en-US" sz="2000">
                 <a:latin typeface="Jalnan OTF"/>
               </a:rPr>
               <a:t>비로그인시</a:t>
             </a:r>
-            <a:endParaRPr lang="en-US" altLang="ko-KR" sz="2000" smtClean="0">
-              <a:latin typeface="Jalnan OTF"/>
-            </a:endParaRPr>
-          </a:p>
-          <a:p>
             <a:endParaRPr lang="en-US" altLang="ko-KR" sz="2000">
               <a:latin typeface="Jalnan OTF"/>
             </a:endParaRPr>
           </a:p>
           <a:p>
-            <a:r>
-              <a:rPr lang="ko-KR" altLang="en-US" sz="2000" smtClean="0">
-                <a:latin typeface="Jalnan OTF"/>
-              </a:rPr>
-              <a:t>카카오 맵 </a:t>
-            </a:r>
-            <a:r>
-              <a:rPr lang="en-US" altLang="ko-KR" sz="2000" smtClean="0">
-                <a:latin typeface="Jalnan OTF"/>
-              </a:rPr>
-              <a:t>api</a:t>
-            </a:r>
-            <a:r>
-              <a:rPr lang="ko-KR" altLang="en-US" sz="2000" smtClean="0">
-                <a:latin typeface="Jalnan OTF"/>
-              </a:rPr>
-              <a:t>를 사용</a:t>
-            </a:r>
-            <a:r>
-              <a:rPr lang="en-US" altLang="ko-KR" sz="2000" smtClean="0">
-                <a:latin typeface="Jalnan OTF"/>
-              </a:rPr>
-              <a:t>, db</a:t>
-            </a:r>
-            <a:r>
-              <a:rPr lang="ko-KR" altLang="en-US" sz="2000" smtClean="0">
-                <a:latin typeface="Jalnan OTF"/>
-              </a:rPr>
-              <a:t>에 등록된 피드</a:t>
-            </a:r>
-            <a:r>
-              <a:rPr lang="en-US" altLang="ko-KR" sz="2000" smtClean="0">
-                <a:latin typeface="Jalnan OTF"/>
-              </a:rPr>
-              <a:t>/</a:t>
-            </a:r>
-            <a:r>
-              <a:rPr lang="ko-KR" altLang="en-US" sz="2000" smtClean="0">
-                <a:latin typeface="Jalnan OTF"/>
-              </a:rPr>
-              <a:t>장소 마커들이</a:t>
-            </a:r>
-            <a:endParaRPr lang="en-US" altLang="ko-KR" sz="2000" smtClean="0">
-              <a:latin typeface="Jalnan OTF"/>
-            </a:endParaRPr>
-          </a:p>
-          <a:p>
-            <a:r>
-              <a:rPr lang="ko-KR" altLang="en-US" sz="2000" smtClean="0">
-                <a:latin typeface="Jalnan OTF"/>
-              </a:rPr>
-              <a:t>모두 출력된다</a:t>
-            </a:r>
-            <a:r>
-              <a:rPr lang="en-US" altLang="ko-KR" sz="2000" smtClean="0">
-                <a:latin typeface="Jalnan OTF"/>
-              </a:rPr>
-              <a:t>.</a:t>
-            </a:r>
-          </a:p>
-          <a:p>
             <a:endParaRPr lang="en-US" altLang="ko-KR" sz="2000">
               <a:latin typeface="Jalnan OTF"/>
             </a:endParaRPr>
           </a:p>
           <a:p>
             <a:r>
-              <a:rPr lang="ko-KR" altLang="en-US" sz="2000" smtClean="0">
-                <a:latin typeface="Jalnan OTF"/>
-              </a:rPr>
-              <a:t>지도를 확대하면 마커들이 출력되지만</a:t>
-            </a:r>
-            <a:endParaRPr lang="en-US" altLang="ko-KR" sz="2000" smtClean="0">
-              <a:latin typeface="Jalnan OTF"/>
-            </a:endParaRPr>
-          </a:p>
-          <a:p>
-            <a:r>
-              <a:rPr lang="ko-KR" altLang="en-US" sz="2000" smtClean="0">
-                <a:latin typeface="Jalnan OTF"/>
-              </a:rPr>
-              <a:t>축소하면 클러스터가 마커들을 통합해 출력된다</a:t>
-            </a:r>
-            <a:r>
-              <a:rPr lang="en-US" altLang="ko-KR" sz="2000" smtClean="0">
-                <a:latin typeface="Jalnan OTF"/>
-              </a:rPr>
-              <a:t>.</a:t>
-            </a:r>
-          </a:p>
-          <a:p>
+              <a:rPr lang="ko-KR" altLang="en-US" sz="2000">
+                <a:latin typeface="Jalnan OTF"/>
+              </a:rPr>
+              <a:t>카카오 맵 </a:t>
+            </a:r>
+            <a:r>
+              <a:rPr lang="en-US" altLang="ko-KR" sz="2000">
+                <a:latin typeface="Jalnan OTF"/>
+              </a:rPr>
+              <a:t>api</a:t>
+            </a:r>
+            <a:r>
+              <a:rPr lang="ko-KR" altLang="en-US" sz="2000">
+                <a:latin typeface="Jalnan OTF"/>
+              </a:rPr>
+              <a:t>를 사용</a:t>
+            </a:r>
+            <a:r>
+              <a:rPr lang="en-US" altLang="ko-KR" sz="2000">
+                <a:latin typeface="Jalnan OTF"/>
+              </a:rPr>
+              <a:t>, db</a:t>
+            </a:r>
+            <a:r>
+              <a:rPr lang="ko-KR" altLang="en-US" sz="2000">
+                <a:latin typeface="Jalnan OTF"/>
+              </a:rPr>
+              <a:t>에 등록된 피드</a:t>
+            </a:r>
+            <a:r>
+              <a:rPr lang="en-US" altLang="ko-KR" sz="2000">
+                <a:latin typeface="Jalnan OTF"/>
+              </a:rPr>
+              <a:t>/</a:t>
+            </a:r>
+            <a:r>
+              <a:rPr lang="ko-KR" altLang="en-US" sz="2000">
+                <a:latin typeface="Jalnan OTF"/>
+              </a:rPr>
+              <a:t>장소 마커들이</a:t>
+            </a:r>
             <a:endParaRPr lang="en-US" altLang="ko-KR" sz="2000">
               <a:latin typeface="Jalnan OTF"/>
             </a:endParaRPr>
           </a:p>
           <a:p>
             <a:r>
-              <a:rPr lang="ko-KR" altLang="en-US" sz="2000" smtClean="0">
-                <a:latin typeface="Jalnan OTF"/>
-              </a:rPr>
-              <a:t>피드 리스트는 </a:t>
-            </a:r>
-            <a:r>
-              <a:rPr lang="en-US" altLang="ko-KR" sz="2000" smtClean="0">
-                <a:latin typeface="Jalnan OTF"/>
-              </a:rPr>
-              <a:t>ajax</a:t>
-            </a:r>
-            <a:r>
-              <a:rPr lang="ko-KR" altLang="en-US" sz="2000" smtClean="0">
-                <a:latin typeface="Jalnan OTF"/>
-              </a:rPr>
-              <a:t>를 사용해 스크롤이 바닥에 닿을시</a:t>
-            </a:r>
-            <a:endParaRPr lang="en-US" altLang="ko-KR" sz="2000" smtClean="0">
+              <a:rPr lang="ko-KR" altLang="en-US" sz="2000">
+                <a:latin typeface="Jalnan OTF"/>
+              </a:rPr>
+              <a:t>모두 출력된다</a:t>
+            </a:r>
+            <a:r>
+              <a:rPr lang="en-US" altLang="ko-KR" sz="2000">
+                <a:latin typeface="Jalnan OTF"/>
+              </a:rPr>
+              <a:t>.</a:t>
+            </a:r>
+          </a:p>
+          <a:p>
+            <a:endParaRPr lang="en-US" altLang="ko-KR" sz="2000">
               <a:latin typeface="Jalnan OTF"/>
             </a:endParaRPr>
           </a:p>
           <a:p>
             <a:r>
-              <a:rPr lang="ko-KR" altLang="en-US" sz="2000" smtClean="0">
+              <a:rPr lang="ko-KR" altLang="en-US" sz="2000">
+                <a:latin typeface="Jalnan OTF"/>
+              </a:rPr>
+              <a:t>지도를 확대하면 마커들이 출력되지만</a:t>
+            </a:r>
+            <a:endParaRPr lang="en-US" altLang="ko-KR" sz="2000">
+              <a:latin typeface="Jalnan OTF"/>
+            </a:endParaRPr>
+          </a:p>
+          <a:p>
+            <a:r>
+              <a:rPr lang="ko-KR" altLang="en-US" sz="2000">
+                <a:latin typeface="Jalnan OTF"/>
+              </a:rPr>
+              <a:t>축소하면 클러스터가 마커들을 통합해 출력된다</a:t>
+            </a:r>
+            <a:r>
+              <a:rPr lang="en-US" altLang="ko-KR" sz="2000">
+                <a:latin typeface="Jalnan OTF"/>
+              </a:rPr>
+              <a:t>.</a:t>
+            </a:r>
+          </a:p>
+          <a:p>
+            <a:endParaRPr lang="en-US" altLang="ko-KR" sz="2000">
+              <a:latin typeface="Jalnan OTF"/>
+            </a:endParaRPr>
+          </a:p>
+          <a:p>
+            <a:r>
+              <a:rPr lang="ko-KR" altLang="en-US" sz="2000">
+                <a:latin typeface="Jalnan OTF"/>
+              </a:rPr>
+              <a:t>피드 리스트는 </a:t>
+            </a:r>
+            <a:r>
+              <a:rPr lang="en-US" altLang="ko-KR" sz="2000">
+                <a:latin typeface="Jalnan OTF"/>
+              </a:rPr>
+              <a:t>ajax</a:t>
+            </a:r>
+            <a:r>
+              <a:rPr lang="ko-KR" altLang="en-US" sz="2000">
+                <a:latin typeface="Jalnan OTF"/>
+              </a:rPr>
+              <a:t>를 사용해 스크롤이 바닥에 닿을시</a:t>
+            </a:r>
+            <a:endParaRPr lang="en-US" altLang="ko-KR" sz="2000">
+              <a:latin typeface="Jalnan OTF"/>
+            </a:endParaRPr>
+          </a:p>
+          <a:p>
+            <a:r>
+              <a:rPr lang="ko-KR" altLang="en-US" sz="2000">
                 <a:latin typeface="Jalnan OTF"/>
               </a:rPr>
               <a:t>새로운 피드를 </a:t>
             </a:r>
             <a:r>
-              <a:rPr lang="en-US" altLang="ko-KR" sz="2000" smtClean="0">
+              <a:rPr lang="en-US" altLang="ko-KR" sz="2000">
                 <a:latin typeface="Jalnan OTF"/>
               </a:rPr>
               <a:t>3</a:t>
             </a:r>
             <a:r>
-              <a:rPr lang="ko-KR" altLang="en-US" sz="2000" smtClean="0">
+              <a:rPr lang="ko-KR" altLang="en-US" sz="2000">
                 <a:latin typeface="Jalnan OTF"/>
               </a:rPr>
               <a:t>개씩 새로고침 없이 불러오도록 구현</a:t>
             </a:r>
             <a:r>
-              <a:rPr lang="en-US" altLang="ko-KR" sz="2000" smtClean="0">
+              <a:rPr lang="en-US" altLang="ko-KR" sz="2000">
                 <a:latin typeface="Jalnan OTF"/>
               </a:rPr>
               <a:t>.</a:t>
@@ -7005,18 +6954,18 @@
           <a:lstStyle/>
           <a:p>
             <a:r>
-              <a:rPr lang="en-US" altLang="ko-KR" smtClean="0">
+              <a:rPr lang="en-US" altLang="ko-KR">
                 <a:latin typeface="Jalnan OTF"/>
               </a:rPr>
               <a:t>JavaScript </a:t>
             </a:r>
             <a:r>
-              <a:rPr lang="ko-KR" altLang="en-US" smtClean="0">
+              <a:rPr lang="ko-KR" altLang="en-US">
                 <a:latin typeface="Jalnan OTF"/>
               </a:rPr>
               <a:t>무한 스크롤 사용</a:t>
             </a:r>
-            <a:endParaRPr lang="en-US" altLang="ko-KR" smtClean="0">
+            <a:endParaRPr lang="en-US" altLang="ko-KR">
               <a:latin typeface="Jalnan OTF"/>
             </a:endParaRPr>
           </a:p>
@@ -7091,42 +7040,39 @@
           <a:lstStyle/>
           <a:p>
             <a:r>
-              <a:rPr lang="ko-KR" altLang="en-US" smtClean="0">
+              <a:rPr lang="ko-KR" altLang="en-US">
                 <a:latin typeface="Jalnan OTF"/>
               </a:rPr>
               <a:t>카카오 맵 </a:t>
             </a:r>
             <a:r>
-              <a:rPr lang="en-US" altLang="ko-KR" smtClean="0">
+              <a:rPr lang="en-US" altLang="ko-KR">
                 <a:latin typeface="Jalnan OTF"/>
               </a:rPr>
               <a:t>api </a:t>
             </a:r>
             <a:r>
-              <a:rPr lang="ko-KR" altLang="en-US" smtClean="0">
+              <a:rPr lang="ko-KR" altLang="en-US">
                 <a:latin typeface="Jalnan OTF"/>
               </a:rPr>
               <a:t>사용</a:t>
             </a:r>
-            <a:endParaRPr lang="en-US" altLang="ko-KR" smtClean="0">
-              <a:latin typeface="Jalnan OTF"/>
-            </a:endParaRPr>
-          </a:p>
-          <a:p>
             <a:endParaRPr lang="en-US" altLang="ko-KR">
               <a:latin typeface="Jalnan OTF"/>
             </a:endParaRPr>
           </a:p>
           <a:p>
-            <a:r>
-              <a:rPr lang="ko-KR" altLang="en-US" smtClean="0">
-                <a:latin typeface="Jalnan OTF"/>
-              </a:rPr>
-              <a:t>클러스터 기능 이용</a:t>
-            </a:r>
-            <a:endParaRPr lang="ko-KR" altLang="en-US">
+            <a:endParaRPr lang="en-US" altLang="ko-KR">
               <a:latin typeface="Jalnan OTF"/>
             </a:endParaRPr>
+          </a:p>
+          <a:p>
+            <a:r>
+              <a:rPr lang="ko-KR" altLang="en-US">
+                <a:latin typeface="Jalnan OTF"/>
+              </a:rPr>
+              <a:t>클러스터 기능 이용</a:t>
+            </a:r>
           </a:p>
         </p:txBody>
       </p:sp>
@@ -7300,26 +7246,23 @@
           <a:lstStyle/>
           <a:p>
             <a:r>
-              <a:rPr lang="ko-KR" altLang="en-US" smtClean="0">
+              <a:rPr lang="ko-KR" altLang="en-US">
                 <a:latin typeface="Jalnan OTF"/>
               </a:rPr>
               <a:t>테마 변경 가능</a:t>
             </a:r>
             <a:r>
-              <a:rPr lang="en-US" altLang="ko-KR" smtClean="0">
+              <a:rPr lang="en-US" altLang="ko-KR">
                 <a:latin typeface="Jalnan OTF"/>
               </a:rPr>
               <a:t>, </a:t>
             </a:r>
             <a:r>
-              <a:rPr lang="ko-KR" altLang="en-US" smtClean="0">
+              <a:rPr lang="ko-KR" altLang="en-US">
                 <a:latin typeface="Jalnan OTF"/>
               </a:rPr>
               <a:t>로그인 버튼</a:t>
             </a:r>
-            <a:endParaRPr lang="ko-KR" altLang="en-US">
-              <a:latin typeface="Jalnan OTF"/>
-            </a:endParaRPr>
           </a:p>
         </p:txBody>
       </p:sp>
@@ -7479,13 +7422,6 @@
   <p:clrMapOvr>
     <a:overrideClrMapping bg1="lt1" tx1="dk1" bg2="lt2" tx2="dk2" accent1="accent1" accent2="accent2" accent3="accent3" accent4="accent4" accent5="accent5" accent6="accent6" hlink="hlink" folHlink="folHlink"/>
   </p:clrMapOvr>
-  <p:timing>
-    <p:tnLst>
-      <p:par>
-        <p:cTn id="1" dur="indefinite" restart="never" nodeType="tmRoot"/>
-      </p:par>
-    </p:tnLst>
-  </p:timing>
 </p:sld>
 </file>
 
@@ -7708,7 +7644,7 @@
           <a:lstStyle/>
           <a:p>
             <a:r>
-              <a:rPr lang="en-US" sz="2400" smtClean="0">
+              <a:rPr lang="en-US" sz="2400">
                 <a:latin typeface="Jalnan OTF"/>
               </a:rPr>
               <a:t>Main</a:t>
@@ -7781,104 +7717,104 @@
           <a:lstStyle/>
           <a:p>
             <a:r>
-              <a:rPr lang="en-US" altLang="ko-KR" sz="2000" smtClean="0">
+              <a:rPr lang="en-US" altLang="ko-KR" sz="2000">
                 <a:latin typeface="Jalnan OTF"/>
               </a:rPr>
               <a:t>Main </a:t>
             </a:r>
             <a:r>
-              <a:rPr lang="ko-KR" altLang="en-US" sz="2000" smtClean="0">
+              <a:rPr lang="ko-KR" altLang="en-US" sz="2000">
                 <a:latin typeface="Jalnan OTF"/>
               </a:rPr>
               <a:t>화면 </a:t>
             </a:r>
             <a:r>
-              <a:rPr lang="en-US" altLang="ko-KR" sz="2000" smtClean="0">
+              <a:rPr lang="en-US" altLang="ko-KR" sz="2000">
                 <a:latin typeface="Jalnan OTF"/>
               </a:rPr>
               <a:t>- </a:t>
             </a:r>
             <a:r>
-              <a:rPr lang="ko-KR" altLang="en-US" sz="2000" smtClean="0">
+              <a:rPr lang="ko-KR" altLang="en-US" sz="2000">
                 <a:latin typeface="Jalnan OTF"/>
               </a:rPr>
               <a:t>로그인시</a:t>
             </a:r>
-            <a:endParaRPr lang="en-US" altLang="ko-KR" sz="2000" smtClean="0">
-              <a:latin typeface="Jalnan OTF"/>
-            </a:endParaRPr>
-          </a:p>
-          <a:p>
             <a:endParaRPr lang="en-US" altLang="ko-KR" sz="2000">
               <a:latin typeface="Jalnan OTF"/>
             </a:endParaRPr>
           </a:p>
           <a:p>
-            <a:r>
-              <a:rPr lang="ko-KR" altLang="en-US" sz="2000" smtClean="0">
-                <a:latin typeface="Jalnan OTF"/>
-              </a:rPr>
-              <a:t>로그인 했을 시의 </a:t>
-            </a:r>
-            <a:r>
-              <a:rPr lang="en-US" altLang="ko-KR" sz="2000" smtClean="0">
-                <a:latin typeface="Jalnan OTF"/>
-              </a:rPr>
-              <a:t>Main </a:t>
-            </a:r>
-            <a:r>
-              <a:rPr lang="ko-KR" altLang="en-US" sz="2000" smtClean="0">
-                <a:latin typeface="Jalnan OTF"/>
-              </a:rPr>
-              <a:t>화면</a:t>
-            </a:r>
-            <a:r>
-              <a:rPr lang="en-US" altLang="ko-KR" sz="2000" smtClean="0">
-                <a:latin typeface="Jalnan OTF"/>
-              </a:rPr>
-              <a:t>,</a:t>
-            </a:r>
-          </a:p>
-          <a:p>
-            <a:r>
-              <a:rPr lang="ko-KR" altLang="en-US" sz="2000" smtClean="0">
-                <a:latin typeface="Jalnan OTF"/>
-              </a:rPr>
-              <a:t>기본적인 기능은 동일하지만 지도 상단의 </a:t>
-            </a:r>
-            <a:r>
-              <a:rPr lang="en-US" altLang="ko-KR" sz="2000" smtClean="0">
-                <a:latin typeface="Jalnan OTF"/>
-              </a:rPr>
-              <a:t>Follow/Other </a:t>
-            </a:r>
-            <a:r>
-              <a:rPr lang="ko-KR" altLang="en-US" sz="2000" smtClean="0">
-                <a:latin typeface="Jalnan OTF"/>
-              </a:rPr>
-              <a:t>버튼이 생성</a:t>
-            </a:r>
-            <a:r>
-              <a:rPr lang="en-US" altLang="ko-KR" sz="2000" smtClean="0">
-                <a:latin typeface="Jalnan OTF"/>
-              </a:rPr>
-              <a:t>.</a:t>
-            </a:r>
-          </a:p>
-          <a:p>
             <a:endParaRPr lang="en-US" altLang="ko-KR" sz="2000">
               <a:latin typeface="Jalnan OTF"/>
             </a:endParaRPr>
           </a:p>
           <a:p>
             <a:r>
-              <a:rPr lang="ko-KR" altLang="en-US" sz="2000" smtClean="0">
+              <a:rPr lang="ko-KR" altLang="en-US" sz="2000">
+                <a:latin typeface="Jalnan OTF"/>
+              </a:rPr>
+              <a:t>로그인 했을 시의 </a:t>
+            </a:r>
+            <a:r>
+              <a:rPr lang="en-US" altLang="ko-KR" sz="2000">
+                <a:latin typeface="Jalnan OTF"/>
+              </a:rPr>
+              <a:t>Main </a:t>
+            </a:r>
+            <a:r>
+              <a:rPr lang="ko-KR" altLang="en-US" sz="2000">
+                <a:latin typeface="Jalnan OTF"/>
+              </a:rPr>
+              <a:t>화면</a:t>
+            </a:r>
+            <a:r>
+              <a:rPr lang="en-US" altLang="ko-KR" sz="2000">
+                <a:latin typeface="Jalnan OTF"/>
+              </a:rPr>
+              <a:t>,</a:t>
+            </a:r>
+          </a:p>
+          <a:p>
+            <a:r>
+              <a:rPr lang="ko-KR" altLang="en-US" sz="2000">
+                <a:latin typeface="Jalnan OTF"/>
+              </a:rPr>
+              <a:t>기본적인 기능은 동일하지만 지도 상단의 </a:t>
+            </a:r>
+            <a:r>
+              <a:rPr lang="en-US" altLang="ko-KR" sz="2000">
+                <a:latin typeface="Jalnan OTF"/>
+              </a:rPr>
+              <a:t>Follow/Other </a:t>
+            </a:r>
+            <a:r>
+              <a:rPr lang="ko-KR" altLang="en-US" sz="2000">
+                <a:latin typeface="Jalnan OTF"/>
+              </a:rPr>
+              <a:t>버튼이 생성</a:t>
+            </a:r>
+            <a:r>
+              <a:rPr lang="en-US" altLang="ko-KR" sz="2000">
+                <a:latin typeface="Jalnan OTF"/>
+              </a:rPr>
+              <a:t>.</a:t>
+            </a:r>
+          </a:p>
+          <a:p>
+            <a:endParaRPr lang="en-US" altLang="ko-KR" sz="2000">
+              <a:latin typeface="Jalnan OTF"/>
+            </a:endParaRPr>
+          </a:p>
+          <a:p>
+            <a:r>
+              <a:rPr lang="ko-KR" altLang="en-US" sz="2000">
                 <a:latin typeface="Jalnan OTF"/>
               </a:rPr>
               <a:t>클릭시 모든 회원의 피드가 출력되거나</a:t>
             </a:r>
             <a:r>
-              <a:rPr lang="en-US" altLang="ko-KR" sz="2000" smtClean="0">
+              <a:rPr lang="en-US" altLang="ko-KR" sz="2000">
                 <a:latin typeface="Jalnan OTF"/>
               </a:rPr>
               <a:t>, </a:t>
@@ -7886,13 +7822,13 @@
           </a:p>
           <a:p>
             <a:r>
-              <a:rPr lang="ko-KR" altLang="en-US" sz="2000" smtClean="0">
+              <a:rPr lang="ko-KR" altLang="en-US" sz="2000">
                 <a:latin typeface="Jalnan OTF"/>
               </a:rPr>
               <a:t>자신이 팔로우한 회원들의 피드만 출력되게 할 수 있다</a:t>
             </a:r>
             <a:r>
-              <a:rPr lang="en-US" altLang="ko-KR" sz="2000" smtClean="0">
+              <a:rPr lang="en-US" altLang="ko-KR" sz="2000">
                 <a:latin typeface="Jalnan OTF"/>
               </a:rPr>
               <a:t>.</a:t>
@@ -8138,30 +8074,27 @@
           <a:lstStyle/>
           <a:p>
             <a:r>
-              <a:rPr lang="ko-KR" altLang="en-US" smtClean="0">
+              <a:rPr lang="ko-KR" altLang="en-US">
                 <a:latin typeface="Jalnan OTF"/>
               </a:rPr>
               <a:t>프로필 이미지 출력</a:t>
             </a:r>
-            <a:endParaRPr lang="en-US" altLang="ko-KR" smtClean="0">
+            <a:endParaRPr lang="en-US" altLang="ko-KR">
               <a:latin typeface="Jalnan OTF"/>
             </a:endParaRPr>
           </a:p>
           <a:p>
-            <a:endParaRPr lang="en-US" altLang="ko-KR" smtClean="0">
+            <a:endParaRPr lang="en-US" altLang="ko-KR">
               <a:latin typeface="Jalnan OTF"/>
             </a:endParaRPr>
           </a:p>
           <a:p>
             <a:r>
-              <a:rPr lang="ko-KR" altLang="en-US" smtClean="0">
+              <a:rPr lang="ko-KR" altLang="en-US">
                 <a:latin typeface="Jalnan OTF"/>
               </a:rPr>
               <a:t>드롭 다운 형식의 메뉴</a:t>
             </a:r>
-            <a:endParaRPr lang="ko-KR" altLang="en-US">
-              <a:latin typeface="Jalnan OTF"/>
-            </a:endParaRPr>
           </a:p>
         </p:txBody>
       </p:sp>
@@ -8199,13 +8132,6 @@
   <p:clrMapOvr>
     <a:overrideClrMapping bg1="lt1" tx1="dk1" bg2="lt2" tx2="dk2" accent1="accent1" accent2="accent2" accent3="accent3" accent4="accent4" accent5="accent5" accent6="accent6" hlink="hlink" folHlink="folHlink"/>
   </p:clrMapOvr>
-  <p:timing>
-    <p:tnLst>
-      <p:par>
-        <p:cTn id="1" dur="indefinite" restart="never" nodeType="tmRoot"/>
-      </p:par>
-    </p:tnLst>
-  </p:timing>
 </p:sld>
 </file>
 
@@ -8428,7 +8354,7 @@
           <a:lstStyle/>
           <a:p>
             <a:r>
-              <a:rPr lang="en-US" sz="2400" smtClean="0">
+              <a:rPr lang="en-US" sz="2400">
                 <a:latin typeface="Jalnan OTF"/>
               </a:rPr>
               <a:t>Main</a:t>
@@ -8501,132 +8427,132 @@
           <a:lstStyle/>
           <a:p>
             <a:r>
-              <a:rPr lang="en-US" altLang="ko-KR" sz="2000" smtClean="0">
+              <a:rPr lang="en-US" altLang="ko-KR" sz="2000">
                 <a:latin typeface="Jalnan OTF"/>
               </a:rPr>
               <a:t>Main </a:t>
             </a:r>
             <a:r>
-              <a:rPr lang="ko-KR" altLang="en-US" sz="2000" smtClean="0">
+              <a:rPr lang="ko-KR" altLang="en-US" sz="2000">
                 <a:latin typeface="Jalnan OTF"/>
               </a:rPr>
               <a:t>화면</a:t>
             </a:r>
-            <a:endParaRPr lang="en-US" altLang="ko-KR" sz="2000" smtClean="0">
-              <a:latin typeface="Jalnan OTF"/>
-            </a:endParaRPr>
-          </a:p>
-          <a:p>
             <a:endParaRPr lang="en-US" altLang="ko-KR" sz="2000">
               <a:latin typeface="Jalnan OTF"/>
             </a:endParaRPr>
           </a:p>
           <a:p>
-            <a:r>
-              <a:rPr lang="ko-KR" altLang="en-US" sz="2000" smtClean="0">
-                <a:latin typeface="Jalnan OTF"/>
-              </a:rPr>
-              <a:t>마커 클릭시</a:t>
-            </a:r>
-            <a:r>
-              <a:rPr lang="en-US" altLang="ko-KR" sz="2000" smtClean="0">
-                <a:latin typeface="Jalnan OTF"/>
-              </a:rPr>
-              <a:t>, ajax</a:t>
-            </a:r>
-            <a:r>
-              <a:rPr lang="ko-KR" altLang="en-US" sz="2000" smtClean="0">
-                <a:latin typeface="Jalnan OTF"/>
-              </a:rPr>
-              <a:t>를 중복 사용해 </a:t>
-            </a:r>
-            <a:endParaRPr lang="en-US" altLang="ko-KR" sz="2000" smtClean="0">
-              <a:latin typeface="Jalnan OTF"/>
-            </a:endParaRPr>
-          </a:p>
-          <a:p>
-            <a:r>
-              <a:rPr lang="ko-KR" altLang="en-US" sz="2000" smtClean="0">
-                <a:latin typeface="Jalnan OTF"/>
-              </a:rPr>
-              <a:t>마커의 </a:t>
-            </a:r>
-            <a:r>
-              <a:rPr lang="en-US" altLang="ko-KR" sz="2000" smtClean="0">
-                <a:latin typeface="Jalnan OTF"/>
-              </a:rPr>
-              <a:t>x, y </a:t>
-            </a:r>
-            <a:r>
-              <a:rPr lang="ko-KR" altLang="en-US" sz="2000" smtClean="0">
-                <a:latin typeface="Jalnan OTF"/>
-              </a:rPr>
-              <a:t>좌표를 </a:t>
-            </a:r>
-            <a:r>
-              <a:rPr lang="en-US" altLang="ko-KR" sz="2000" smtClean="0">
-                <a:latin typeface="Jalnan OTF"/>
-              </a:rPr>
-              <a:t>db</a:t>
-            </a:r>
-            <a:r>
-              <a:rPr lang="ko-KR" altLang="en-US" sz="2000" smtClean="0">
-                <a:latin typeface="Jalnan OTF"/>
-              </a:rPr>
-              <a:t>와 대조 후 피드 커버 이미지들을 출력</a:t>
-            </a:r>
-            <a:r>
-              <a:rPr lang="en-US" altLang="ko-KR" sz="2000" smtClean="0">
-                <a:latin typeface="Jalnan OTF"/>
-              </a:rPr>
-              <a:t>,</a:t>
-            </a:r>
-          </a:p>
-          <a:p>
-            <a:r>
-              <a:rPr lang="ko-KR" altLang="en-US" sz="2000" smtClean="0">
-                <a:latin typeface="Jalnan OTF"/>
-              </a:rPr>
-              <a:t>커버 이미지 선택시 해당 피드를 출력한다</a:t>
-            </a:r>
-            <a:r>
-              <a:rPr lang="en-US" altLang="ko-KR" sz="2000" smtClean="0">
-                <a:latin typeface="Jalnan OTF"/>
-              </a:rPr>
-              <a:t>.</a:t>
-            </a:r>
-          </a:p>
-          <a:p>
-            <a:endParaRPr lang="en-US" altLang="ko-KR" sz="2000" smtClean="0">
-              <a:latin typeface="Jalnan OTF"/>
-            </a:endParaRPr>
-          </a:p>
-          <a:p>
             <a:endParaRPr lang="en-US" altLang="ko-KR" sz="2000">
               <a:latin typeface="Jalnan OTF"/>
             </a:endParaRPr>
           </a:p>
           <a:p>
             <a:r>
-              <a:rPr lang="ko-KR" altLang="en-US" sz="2000" smtClean="0">
-                <a:latin typeface="Jalnan OTF"/>
-              </a:rPr>
-              <a:t>피드를 직접 클릭해도 같은 기능 수행</a:t>
-            </a:r>
-            <a:r>
-              <a:rPr lang="en-US" altLang="ko-KR" sz="2000" smtClean="0">
-                <a:latin typeface="Jalnan OTF"/>
-              </a:rPr>
-              <a:t>.</a:t>
-            </a:r>
-          </a:p>
-          <a:p>
+              <a:rPr lang="ko-KR" altLang="en-US" sz="2000">
+                <a:latin typeface="Jalnan OTF"/>
+              </a:rPr>
+              <a:t>마커 클릭시</a:t>
+            </a:r>
+            <a:r>
+              <a:rPr lang="en-US" altLang="ko-KR" sz="2000">
+                <a:latin typeface="Jalnan OTF"/>
+              </a:rPr>
+              <a:t>, ajax</a:t>
+            </a:r>
+            <a:r>
+              <a:rPr lang="ko-KR" altLang="en-US" sz="2000">
+                <a:latin typeface="Jalnan OTF"/>
+              </a:rPr>
+              <a:t>를 중복 사용해 </a:t>
+            </a:r>
             <a:endParaRPr lang="en-US" altLang="ko-KR" sz="2000">
               <a:latin typeface="Jalnan OTF"/>
             </a:endParaRPr>
           </a:p>
           <a:p>
-            <a:endParaRPr lang="en-US" altLang="ko-KR" sz="2000" smtClean="0">
+            <a:r>
+              <a:rPr lang="ko-KR" altLang="en-US" sz="2000">
+                <a:latin typeface="Jalnan OTF"/>
+              </a:rPr>
+              <a:t>마커의 </a:t>
+            </a:r>
+            <a:r>
+              <a:rPr lang="en-US" altLang="ko-KR" sz="2000">
+                <a:latin typeface="Jalnan OTF"/>
+              </a:rPr>
+              <a:t>x, y </a:t>
+            </a:r>
+            <a:r>
+              <a:rPr lang="ko-KR" altLang="en-US" sz="2000">
+                <a:latin typeface="Jalnan OTF"/>
+              </a:rPr>
+              <a:t>좌표를 </a:t>
+            </a:r>
+            <a:r>
+              <a:rPr lang="en-US" altLang="ko-KR" sz="2000">
+                <a:latin typeface="Jalnan OTF"/>
+              </a:rPr>
+              <a:t>db</a:t>
+            </a:r>
+            <a:r>
+              <a:rPr lang="ko-KR" altLang="en-US" sz="2000">
+                <a:latin typeface="Jalnan OTF"/>
+              </a:rPr>
+              <a:t>와 대조 후 피드 커버 이미지들을 출력</a:t>
+            </a:r>
+            <a:r>
+              <a:rPr lang="en-US" altLang="ko-KR" sz="2000">
+                <a:latin typeface="Jalnan OTF"/>
+              </a:rPr>
+              <a:t>,</a:t>
+            </a:r>
+          </a:p>
+          <a:p>
+            <a:r>
+              <a:rPr lang="ko-KR" altLang="en-US" sz="2000">
+                <a:latin typeface="Jalnan OTF"/>
+              </a:rPr>
+              <a:t>커버 이미지 선택시 해당 피드를 출력한다</a:t>
+            </a:r>
+            <a:r>
+              <a:rPr lang="en-US" altLang="ko-KR" sz="2000">
+                <a:latin typeface="Jalnan OTF"/>
+              </a:rPr>
+              <a:t>.</a:t>
+            </a:r>
+          </a:p>
+          <a:p>
+            <a:endParaRPr lang="en-US" altLang="ko-KR" sz="2000">
+              <a:latin typeface="Jalnan OTF"/>
+            </a:endParaRPr>
+          </a:p>
+          <a:p>
+            <a:endParaRPr lang="en-US" altLang="ko-KR" sz="2000">
+              <a:latin typeface="Jalnan OTF"/>
+            </a:endParaRPr>
+          </a:p>
+          <a:p>
+            <a:r>
+              <a:rPr lang="ko-KR" altLang="en-US" sz="2000">
+                <a:latin typeface="Jalnan OTF"/>
+              </a:rPr>
+              <a:t>피드를 직접 클릭해도 같은 기능 수행</a:t>
+            </a:r>
+            <a:r>
+              <a:rPr lang="en-US" altLang="ko-KR" sz="2000">
+                <a:latin typeface="Jalnan OTF"/>
+              </a:rPr>
+              <a:t>.</a:t>
+            </a:r>
+          </a:p>
+          <a:p>
+            <a:endParaRPr lang="en-US" altLang="ko-KR" sz="2000">
+              <a:latin typeface="Jalnan OTF"/>
+            </a:endParaRPr>
+          </a:p>
+          <a:p>
+            <a:endParaRPr lang="en-US" altLang="ko-KR" sz="2000">
               <a:latin typeface="Jalnan OTF"/>
             </a:endParaRPr>
           </a:p>
@@ -8846,27 +8772,26 @@
           <a:lstStyle/>
           <a:p>
             <a:r>
-              <a:rPr lang="ko-KR" altLang="en-US" smtClean="0"/>
+              <a:rPr lang="ko-KR" altLang="en-US"/>
               <a:t>해당 장소에 입력된 피드들의</a:t>
             </a:r>
-            <a:endParaRPr lang="en-US" altLang="ko-KR" smtClean="0"/>
-          </a:p>
-          <a:p>
-            <a:r>
-              <a:rPr lang="ko-KR" altLang="en-US" smtClean="0"/>
+            <a:endParaRPr lang="en-US" altLang="ko-KR"/>
+          </a:p>
+          <a:p>
+            <a:r>
+              <a:rPr lang="ko-KR" altLang="en-US"/>
               <a:t>커버 이미지를 출력</a:t>
             </a:r>
-            <a:endParaRPr lang="en-US" altLang="ko-KR" smtClean="0"/>
-          </a:p>
-          <a:p>
             <a:endParaRPr lang="en-US" altLang="ko-KR"/>
           </a:p>
           <a:p>
-            <a:r>
-              <a:rPr lang="ko-KR" altLang="en-US" smtClean="0"/>
+            <a:endParaRPr lang="en-US" altLang="ko-KR"/>
+          </a:p>
+          <a:p>
+            <a:r>
+              <a:rPr lang="ko-KR" altLang="en-US"/>
               <a:t>이미지 클릭시 해당 피드로 이동</a:t>
             </a:r>
-            <a:endParaRPr lang="ko-KR" altLang="en-US"/>
           </a:p>
         </p:txBody>
       </p:sp>
@@ -8951,14 +8876,11 @@
           <a:lstStyle/>
           <a:p>
             <a:r>
-              <a:rPr lang="ko-KR" altLang="en-US" smtClean="0">
+              <a:rPr lang="ko-KR" altLang="en-US">
                 <a:latin typeface="Jalnan OTF"/>
               </a:rPr>
               <a:t>좌표 대조</a:t>
             </a:r>
-            <a:endParaRPr lang="ko-KR" altLang="en-US">
-              <a:latin typeface="Jalnan OTF"/>
-            </a:endParaRPr>
           </a:p>
         </p:txBody>
       </p:sp>
@@ -8985,10 +8907,9 @@
           <a:lstStyle/>
           <a:p>
             <a:r>
-              <a:rPr lang="ko-KR" altLang="en-US" smtClean="0"/>
+              <a:rPr lang="ko-KR" altLang="en-US"/>
               <a:t>커버 이미지 선택</a:t>
             </a:r>
-            <a:endParaRPr lang="ko-KR" altLang="en-US"/>
           </a:p>
         </p:txBody>
       </p:sp>
@@ -9002,13 +8923,6 @@
   <p:clrMapOvr>
     <a:overrideClrMapping bg1="lt1" tx1="dk1" bg2="lt2" tx2="dk2" accent1="accent1" accent2="accent2" accent3="accent3" accent4="accent4" accent5="accent5" accent6="accent6" hlink="hlink" folHlink="folHlink"/>
   </p:clrMapOvr>
-  <p:timing>
-    <p:tnLst>
-      <p:par>
-        <p:cTn id="1" dur="indefinite" restart="never" nodeType="tmRoot"/>
-      </p:par>
-    </p:tnLst>
-  </p:timing>
 </p:sld>
 </file>
 
@@ -9231,7 +9145,7 @@
           <a:lstStyle/>
           <a:p>
             <a:r>
-              <a:rPr lang="en-US" sz="2400" smtClean="0">
+              <a:rPr lang="en-US" sz="2400">
                 <a:latin typeface="Jalnan OTF"/>
               </a:rPr>
               <a:t>Main</a:t>
@@ -9304,30 +9218,30 @@
           <a:lstStyle/>
           <a:p>
             <a:r>
-              <a:rPr lang="en-US" altLang="ko-KR" sz="2000" smtClean="0">
+              <a:rPr lang="en-US" altLang="ko-KR" sz="2000">
                 <a:latin typeface="Jalnan OTF"/>
               </a:rPr>
               <a:t>Main </a:t>
             </a:r>
             <a:r>
-              <a:rPr lang="ko-KR" altLang="en-US" sz="2000" smtClean="0">
+              <a:rPr lang="ko-KR" altLang="en-US" sz="2000">
                 <a:latin typeface="Jalnan OTF"/>
               </a:rPr>
               <a:t>화면 </a:t>
             </a:r>
             <a:r>
-              <a:rPr lang="en-US" altLang="ko-KR" sz="2000" smtClean="0">
+              <a:rPr lang="en-US" altLang="ko-KR" sz="2000">
                 <a:latin typeface="Jalnan OTF"/>
               </a:rPr>
               <a:t>- </a:t>
             </a:r>
             <a:r>
-              <a:rPr lang="ko-KR" altLang="en-US" sz="2000" smtClean="0">
+              <a:rPr lang="ko-KR" altLang="en-US" sz="2000">
                 <a:latin typeface="Jalnan OTF"/>
               </a:rPr>
               <a:t>피드</a:t>
             </a:r>
-            <a:endParaRPr lang="en-US" altLang="ko-KR" sz="2000" smtClean="0">
+            <a:endParaRPr lang="en-US" altLang="ko-KR" sz="2000">
               <a:latin typeface="Jalnan OTF"/>
             </a:endParaRPr>
           </a:p>
@@ -9521,20 +9435,17 @@
           <a:lstStyle/>
           <a:p>
             <a:r>
-              <a:rPr lang="en-US" altLang="ko-KR" sz="1400" smtClean="0">
+              <a:rPr lang="en-US" altLang="ko-KR" sz="1400">
                 <a:latin typeface="Jalnan OTF"/>
               </a:rPr>
               <a:t>Ajax </a:t>
             </a:r>
             <a:r>
-              <a:rPr lang="ko-KR" altLang="en-US" sz="1400" smtClean="0">
+              <a:rPr lang="ko-KR" altLang="en-US" sz="1400">
                 <a:latin typeface="Jalnan OTF"/>
               </a:rPr>
               <a:t>사용으로 새로고침 없이 댓글 최신화 가능</a:t>
             </a:r>
-            <a:endParaRPr lang="ko-KR" altLang="en-US" sz="1400">
-              <a:latin typeface="Jalnan OTF"/>
-            </a:endParaRPr>
           </a:p>
         </p:txBody>
       </p:sp>
@@ -9597,32 +9508,29 @@
           <a:lstStyle/>
           <a:p>
             <a:r>
-              <a:rPr lang="en-US" altLang="ko-KR" sz="1400" smtClean="0">
+              <a:rPr lang="en-US" altLang="ko-KR" sz="1400">
                 <a:latin typeface="Jalnan OTF"/>
               </a:rPr>
               <a:t>A </a:t>
             </a:r>
             <a:r>
-              <a:rPr lang="ko-KR" altLang="en-US" sz="1400" smtClean="0">
+              <a:rPr lang="ko-KR" altLang="en-US" sz="1400">
                 <a:latin typeface="Jalnan OTF"/>
               </a:rPr>
               <a:t>태그 사용</a:t>
             </a:r>
             <a:r>
-              <a:rPr lang="en-US" altLang="ko-KR" sz="1400" smtClean="0">
+              <a:rPr lang="en-US" altLang="ko-KR" sz="1400">
                 <a:latin typeface="Jalnan OTF"/>
               </a:rPr>
               <a:t>, </a:t>
             </a:r>
             <a:r>
-              <a:rPr lang="ko-KR" altLang="en-US" sz="1400" smtClean="0">
+              <a:rPr lang="ko-KR" altLang="en-US" sz="1400">
                 <a:latin typeface="Jalnan OTF"/>
               </a:rPr>
               <a:t>클릭시 해쉬태그 검색창으로 이동</a:t>
             </a:r>
-            <a:endParaRPr lang="ko-KR" altLang="en-US" sz="1400">
-              <a:latin typeface="Jalnan OTF"/>
-            </a:endParaRPr>
           </a:p>
         </p:txBody>
       </p:sp>
@@ -9649,20 +9557,17 @@
           <a:lstStyle/>
           <a:p>
             <a:r>
-              <a:rPr lang="en-US" altLang="ko-KR" sz="1400" smtClean="0">
+              <a:rPr lang="en-US" altLang="ko-KR" sz="1400">
                 <a:latin typeface="Jalnan OTF"/>
               </a:rPr>
               <a:t>Ajax </a:t>
             </a:r>
             <a:r>
-              <a:rPr lang="ko-KR" altLang="en-US" sz="1400" smtClean="0">
+              <a:rPr lang="ko-KR" altLang="en-US" sz="1400">
                 <a:latin typeface="Jalnan OTF"/>
               </a:rPr>
               <a:t>사용으로 좋아요와 취소가 새로고침 없이 가능</a:t>
             </a:r>
-            <a:endParaRPr lang="ko-KR" altLang="en-US" sz="1400">
-              <a:latin typeface="Jalnan OTF"/>
-            </a:endParaRPr>
           </a:p>
         </p:txBody>
       </p:sp>
@@ -9777,13 +9682,6 @@
   <p:clrMapOvr>
     <a:overrideClrMapping bg1="lt1" tx1="dk1" bg2="lt2" tx2="dk2" accent1="accent1" accent2="accent2" accent3="accent3" accent4="accent4" accent5="accent5" accent6="accent6" hlink="hlink" folHlink="folHlink"/>
   </p:clrMapOvr>
-  <p:timing>
-    <p:tnLst>
-      <p:par>
-        <p:cTn id="1" dur="indefinite" restart="never" nodeType="tmRoot"/>
-      </p:par>
-    </p:tnLst>
-  </p:timing>
 </p:sld>
 </file>
 
@@ -9835,7 +9733,7 @@
           <a:lstStyle/>
           <a:p>
             <a:r>
-              <a:rPr lang="en-US" sz="5800" kern="0" spc="100" smtClean="0">
+              <a:rPr lang="en-US" sz="5800" kern="0" spc="100">
                 <a:solidFill>
                   <a:srgbClr val="FFFBF0"/>
                 </a:solidFill>
@@ -9847,7 +9745,7 @@
           </a:p>
           <a:p>
             <a:r>
-              <a:rPr lang="en-US" sz="5800" kern="0" spc="100" smtClean="0">
+              <a:rPr lang="en-US" sz="5800" kern="0" spc="100">
                 <a:solidFill>
                   <a:srgbClr val="FFFBF0"/>
                 </a:solidFill>
@@ -9856,7 +9754,7 @@
               </a:rPr>
               <a:t>Sourcing</a:t>
             </a:r>
-            <a:endParaRPr lang="en-US" sz="5800" kern="0" spc="100" dirty="0" smtClean="0">
+            <a:endParaRPr lang="en-US" sz="5800" kern="0" spc="100" dirty="0">
               <a:solidFill>
                 <a:srgbClr val="FFFBF0"/>
               </a:solidFill>
@@ -9866,7 +9764,7 @@
           </a:p>
           <a:p>
             <a:r>
-              <a:rPr lang="en-US" sz="5800" kern="0" spc="100" dirty="0" smtClean="0">
+              <a:rPr lang="en-US" sz="5800" kern="0" spc="100" dirty="0">
                 <a:solidFill>
                   <a:srgbClr val="FFFBF0"/>
                 </a:solidFill>
@@ -9902,7 +9800,7 @@
           <a:lstStyle/>
           <a:p>
             <a:r>
-              <a:rPr lang="en-US" sz="3800" u="sng" kern="0" spc="100" dirty="0" smtClean="0">
+              <a:rPr lang="en-US" sz="3800" u="sng" kern="0" spc="100" dirty="0">
                 <a:solidFill>
                   <a:srgbClr val="FFFBF0"/>
                 </a:solidFill>
@@ -9913,7 +9811,7 @@
             </a:r>
           </a:p>
           <a:p>
-            <a:endParaRPr lang="en-US" sz="3800" u="sng" kern="0" spc="100" dirty="0" smtClean="0">
+            <a:endParaRPr lang="en-US" sz="3800" u="sng" kern="0" spc="100" dirty="0">
               <a:solidFill>
                 <a:srgbClr val="FFFBF0"/>
               </a:solidFill>
@@ -9923,7 +9821,7 @@
           </a:p>
           <a:p>
             <a:r>
-              <a:rPr lang="en-US" sz="3800" u="sng" kern="0" spc="100" smtClean="0">
+              <a:rPr lang="en-US" sz="3800" u="sng" kern="0" spc="100">
                 <a:solidFill>
                   <a:srgbClr val="FFFBF0"/>
                 </a:solidFill>
@@ -9944,7 +9842,7 @@
           </a:p>
           <a:p>
             <a:r>
-              <a:rPr lang="en-US" sz="3800" u="sng" kern="0" spc="100" smtClean="0">
+              <a:rPr lang="en-US" sz="3800" u="sng" kern="0" spc="100">
                 <a:solidFill>
                   <a:srgbClr val="FFFBF0"/>
                 </a:solidFill>
@@ -9965,7 +9863,7 @@
           </a:p>
           <a:p>
             <a:r>
-              <a:rPr lang="en-US" sz="3800" u="sng" kern="0" spc="100" smtClean="0">
+              <a:rPr lang="en-US" sz="3800" u="sng" kern="0" spc="100">
                 <a:solidFill>
                   <a:srgbClr val="FFFBF0"/>
                 </a:solidFill>
@@ -9974,7 +9872,7 @@
               </a:rPr>
               <a:t>4</a:t>
             </a:r>
-            <a:endParaRPr lang="en-US" sz="3800" u="sng" kern="0" spc="100" dirty="0" smtClean="0">
+            <a:endParaRPr lang="en-US" sz="3800" u="sng" kern="0" spc="100" dirty="0">
               <a:solidFill>
                 <a:srgbClr val="FFFBF0"/>
               </a:solidFill>
@@ -10007,7 +9905,7 @@
           <a:lstStyle/>
           <a:p>
             <a:r>
-              <a:rPr lang="en-US" sz="3200" kern="0" spc="-100" smtClean="0">
+              <a:rPr lang="en-US" sz="3200" kern="0" spc="-100">
                 <a:solidFill>
                   <a:srgbClr val="FFFBF0"/>
                 </a:solidFill>
@@ -10081,7 +9979,7 @@
           <a:lstStyle/>
           <a:p>
             <a:r>
-              <a:rPr lang="ko-KR" altLang="en-US" sz="3800" kern="0" spc="100" smtClean="0">
+              <a:rPr lang="ko-KR" altLang="en-US" sz="3800" kern="0" spc="100">
                 <a:solidFill>
                   <a:srgbClr val="FFFBF0"/>
                 </a:solidFill>
@@ -10099,34 +9997,6 @@
             </a:endParaRPr>
           </a:p>
           <a:p>
-            <a:endParaRPr lang="en-US" altLang="ko-KR" sz="3800" kern="0" spc="100" smtClean="0">
-              <a:solidFill>
-                <a:srgbClr val="FFFBF0"/>
-              </a:solidFill>
-              <a:latin typeface="Jalnan OTF" pitchFamily="34" charset="0"/>
-              <a:cs typeface="Jalnan OTF" pitchFamily="34" charset="0"/>
-            </a:endParaRPr>
-          </a:p>
-          <a:p>
-            <a:r>
-              <a:rPr lang="ko-KR" altLang="en-US" sz="3800" kern="0" spc="100" smtClean="0">
-                <a:solidFill>
-                  <a:srgbClr val="FFFBF0"/>
-                </a:solidFill>
-                <a:latin typeface="Jalnan OTF" pitchFamily="34" charset="0"/>
-                <a:cs typeface="Jalnan OTF" pitchFamily="34" charset="0"/>
-              </a:rPr>
-              <a:t>개발환경</a:t>
-            </a:r>
-            <a:endParaRPr lang="en-US" altLang="ko-KR" sz="3800" kern="0" spc="100" smtClean="0">
-              <a:solidFill>
-                <a:srgbClr val="FFFBF0"/>
-              </a:solidFill>
-              <a:latin typeface="Jalnan OTF" pitchFamily="34" charset="0"/>
-              <a:cs typeface="Jalnan OTF" pitchFamily="34" charset="0"/>
-            </a:endParaRPr>
-          </a:p>
-          <a:p>
             <a:endParaRPr lang="en-US" altLang="ko-KR" sz="3800" kern="0" spc="100">
               <a:solidFill>
                 <a:srgbClr val="FFFBF0"/>
@@ -10137,16 +10007,16 @@
           </a:p>
           <a:p>
             <a:r>
-              <a:rPr lang="ko-KR" altLang="en-US" sz="3800" kern="0" spc="100" smtClean="0">
+              <a:rPr lang="ko-KR" altLang="en-US" sz="3800" kern="0" spc="100">
                 <a:solidFill>
                   <a:srgbClr val="FFFBF0"/>
                 </a:solidFill>
                 <a:latin typeface="Jalnan OTF" pitchFamily="34" charset="0"/>
                 <a:cs typeface="Jalnan OTF" pitchFamily="34" charset="0"/>
               </a:rPr>
-              <a:t>실행 방법</a:t>
-            </a:r>
-            <a:endParaRPr lang="en-US" sz="3800" kern="0" spc="100" dirty="0" smtClean="0">
+              <a:t>개발환경</a:t>
+            </a:r>
+            <a:endParaRPr lang="en-US" altLang="ko-KR" sz="3800" kern="0" spc="100">
               <a:solidFill>
                 <a:srgbClr val="FFFBF0"/>
               </a:solidFill>
@@ -10155,7 +10025,7 @@
             </a:endParaRPr>
           </a:p>
           <a:p>
-            <a:endParaRPr lang="en-US" sz="3800" kern="0" spc="100" dirty="0" smtClean="0">
+            <a:endParaRPr lang="en-US" altLang="ko-KR" sz="3800" kern="0" spc="100">
               <a:solidFill>
                 <a:srgbClr val="FFFBF0"/>
               </a:solidFill>
@@ -10165,16 +10035,44 @@
           </a:p>
           <a:p>
             <a:r>
-              <a:rPr lang="ko-KR" altLang="en-US" sz="3800" kern="0" spc="100" smtClean="0">
+              <a:rPr lang="ko-KR" altLang="en-US" sz="3800" kern="0" spc="100">
                 <a:solidFill>
                   <a:srgbClr val="FFFBF0"/>
                 </a:solidFill>
                 <a:latin typeface="Jalnan OTF" pitchFamily="34" charset="0"/>
                 <a:cs typeface="Jalnan OTF" pitchFamily="34" charset="0"/>
               </a:rPr>
+              <a:t>실행 방법</a:t>
+            </a:r>
+            <a:endParaRPr lang="en-US" sz="3800" kern="0" spc="100" dirty="0">
+              <a:solidFill>
+                <a:srgbClr val="FFFBF0"/>
+              </a:solidFill>
+              <a:latin typeface="Jalnan OTF" pitchFamily="34" charset="0"/>
+              <a:cs typeface="Jalnan OTF" pitchFamily="34" charset="0"/>
+            </a:endParaRPr>
+          </a:p>
+          <a:p>
+            <a:endParaRPr lang="en-US" sz="3800" kern="0" spc="100" dirty="0">
+              <a:solidFill>
+                <a:srgbClr val="FFFBF0"/>
+              </a:solidFill>
+              <a:latin typeface="Jalnan OTF" pitchFamily="34" charset="0"/>
+              <a:cs typeface="Jalnan OTF" pitchFamily="34" charset="0"/>
+            </a:endParaRPr>
+          </a:p>
+          <a:p>
+            <a:r>
+              <a:rPr lang="ko-KR" altLang="en-US" sz="3800" kern="0" spc="100">
+                <a:solidFill>
+                  <a:srgbClr val="FFFBF0"/>
+                </a:solidFill>
+                <a:latin typeface="Jalnan OTF" pitchFamily="34" charset="0"/>
+                <a:cs typeface="Jalnan OTF" pitchFamily="34" charset="0"/>
+              </a:rPr>
               <a:t>기능 소개</a:t>
             </a:r>
-            <a:endParaRPr lang="en-US" altLang="ko-KR" sz="3800" kern="0" spc="100" smtClean="0">
+            <a:endParaRPr lang="en-US" altLang="ko-KR" sz="3800" kern="0" spc="100">
               <a:solidFill>
                 <a:srgbClr val="FFFBF0"/>
               </a:solidFill>
@@ -10399,13 +10297,6 @@
   <p:clrMapOvr>
     <a:masterClrMapping/>
   </p:clrMapOvr>
-  <p:timing>
-    <p:tnLst>
-      <p:par>
-        <p:cTn id="1" dur="indefinite" restart="never" nodeType="tmRoot"/>
-      </p:par>
-    </p:tnLst>
-  </p:timing>
 </p:sld>
 </file>
 
@@ -10655,7 +10546,7 @@
           <a:lstStyle/>
           <a:p>
             <a:r>
-              <a:rPr lang="en-US" sz="2400" smtClean="0">
+              <a:rPr lang="en-US" sz="2400">
                 <a:latin typeface="Jalnan OTF"/>
               </a:rPr>
               <a:t>MyPage</a:t>
@@ -10728,18 +10619,18 @@
           <a:lstStyle/>
           <a:p>
             <a:r>
-              <a:rPr lang="en-US" altLang="ko-KR" sz="2000" smtClean="0">
+              <a:rPr lang="en-US" altLang="ko-KR" sz="2000">
                 <a:latin typeface="Jalnan OTF"/>
               </a:rPr>
               <a:t>MyPage </a:t>
             </a:r>
             <a:r>
-              <a:rPr lang="ko-KR" altLang="en-US" sz="2000" smtClean="0">
+              <a:rPr lang="ko-KR" altLang="en-US" sz="2000">
                 <a:latin typeface="Jalnan OTF"/>
               </a:rPr>
               <a:t>화면</a:t>
             </a:r>
-            <a:endParaRPr lang="en-US" altLang="ko-KR" sz="2000" smtClean="0">
+            <a:endParaRPr lang="en-US" altLang="ko-KR" sz="2000">
               <a:latin typeface="Jalnan OTF"/>
             </a:endParaRPr>
           </a:p>
@@ -10852,28 +10743,28 @@
           <a:lstStyle/>
           <a:p>
             <a:r>
-              <a:rPr lang="ko-KR" altLang="en-US" sz="1400" smtClean="0">
+              <a:rPr lang="ko-KR" altLang="en-US" sz="1400">
                 <a:latin typeface="Jalnan OTF"/>
               </a:rPr>
               <a:t>검색화면</a:t>
             </a:r>
-            <a:endParaRPr lang="en-US" altLang="ko-KR" sz="1400" smtClean="0">
-              <a:latin typeface="Jalnan OTF"/>
-            </a:endParaRPr>
-          </a:p>
-          <a:p>
             <a:endParaRPr lang="en-US" altLang="ko-KR" sz="1400">
               <a:latin typeface="Jalnan OTF"/>
             </a:endParaRPr>
           </a:p>
           <a:p>
-            <a:r>
-              <a:rPr lang="ko-KR" altLang="en-US" sz="1400" smtClean="0">
+            <a:endParaRPr lang="en-US" altLang="ko-KR" sz="1400">
+              <a:latin typeface="Jalnan OTF"/>
+            </a:endParaRPr>
+          </a:p>
+          <a:p>
+            <a:r>
+              <a:rPr lang="ko-KR" altLang="en-US" sz="1400">
                 <a:latin typeface="Jalnan OTF"/>
               </a:rPr>
               <a:t>키워드 검색시 장소 정보를 담은 마커 출력 </a:t>
             </a:r>
-            <a:endParaRPr lang="en-US" altLang="ko-KR" sz="1400" smtClean="0">
+            <a:endParaRPr lang="en-US" altLang="ko-KR" sz="1400">
               <a:latin typeface="Jalnan OTF"/>
             </a:endParaRPr>
           </a:p>
@@ -11020,65 +10911,62 @@
           <a:lstStyle/>
           <a:p>
             <a:r>
-              <a:rPr lang="ko-KR" altLang="en-US" sz="1600" smtClean="0">
+              <a:rPr lang="ko-KR" altLang="en-US" sz="1600">
                 <a:latin typeface="Jalnan OTF"/>
               </a:rPr>
               <a:t>작성한 피드수</a:t>
             </a:r>
             <a:r>
-              <a:rPr lang="en-US" altLang="ko-KR" sz="1600" smtClean="0">
+              <a:rPr lang="en-US" altLang="ko-KR" sz="1600">
                 <a:latin typeface="Jalnan OTF"/>
               </a:rPr>
               <a:t>, </a:t>
             </a:r>
             <a:r>
-              <a:rPr lang="ko-KR" altLang="en-US" sz="1600" smtClean="0">
+              <a:rPr lang="ko-KR" altLang="en-US" sz="1600">
                 <a:latin typeface="Jalnan OTF"/>
               </a:rPr>
               <a:t>자신의 팔로워 수와</a:t>
             </a:r>
-            <a:endParaRPr lang="en-US" altLang="ko-KR" sz="1600" smtClean="0">
-              <a:latin typeface="Jalnan OTF"/>
-            </a:endParaRPr>
-          </a:p>
-          <a:p>
-            <a:r>
-              <a:rPr lang="ko-KR" altLang="en-US" sz="1600" smtClean="0">
-                <a:latin typeface="Jalnan OTF"/>
-              </a:rPr>
-              <a:t>자신이 팔로잉한 수 출력</a:t>
-            </a:r>
-            <a:endParaRPr lang="en-US" altLang="ko-KR" sz="1600" smtClean="0">
-              <a:latin typeface="Jalnan OTF"/>
-            </a:endParaRPr>
-          </a:p>
-          <a:p>
             <a:endParaRPr lang="en-US" altLang="ko-KR" sz="1600">
               <a:latin typeface="Jalnan OTF"/>
             </a:endParaRPr>
           </a:p>
           <a:p>
             <a:r>
-              <a:rPr lang="ko-KR" altLang="en-US" sz="1600" smtClean="0">
-                <a:latin typeface="Jalnan OTF"/>
-              </a:rPr>
-              <a:t>팔로워</a:t>
-            </a:r>
-            <a:r>
-              <a:rPr lang="en-US" altLang="ko-KR" sz="1600" smtClean="0">
-                <a:latin typeface="Jalnan OTF"/>
-              </a:rPr>
-              <a:t>, </a:t>
-            </a:r>
-            <a:r>
-              <a:rPr lang="ko-KR" altLang="en-US" sz="1600" smtClean="0">
-                <a:latin typeface="Jalnan OTF"/>
-              </a:rPr>
-              <a:t>팔로잉 클릭시 우측 사이드바 생성</a:t>
-            </a:r>
-            <a:endParaRPr lang="ko-KR" altLang="en-US" sz="1600">
+              <a:rPr lang="ko-KR" altLang="en-US" sz="1600">
+                <a:latin typeface="Jalnan OTF"/>
+              </a:rPr>
+              <a:t>자신이 팔로잉한 수 출력</a:t>
+            </a:r>
+            <a:endParaRPr lang="en-US" altLang="ko-KR" sz="1600">
               <a:latin typeface="Jalnan OTF"/>
             </a:endParaRPr>
+          </a:p>
+          <a:p>
+            <a:endParaRPr lang="en-US" altLang="ko-KR" sz="1600">
+              <a:latin typeface="Jalnan OTF"/>
+            </a:endParaRPr>
+          </a:p>
+          <a:p>
+            <a:r>
+              <a:rPr lang="ko-KR" altLang="en-US" sz="1600">
+                <a:latin typeface="Jalnan OTF"/>
+              </a:rPr>
+              <a:t>팔로워</a:t>
+            </a:r>
+            <a:r>
+              <a:rPr lang="en-US" altLang="ko-KR" sz="1600">
+                <a:latin typeface="Jalnan OTF"/>
+              </a:rPr>
+              <a:t>, </a:t>
+            </a:r>
+            <a:r>
+              <a:rPr lang="ko-KR" altLang="en-US" sz="1600">
+                <a:latin typeface="Jalnan OTF"/>
+              </a:rPr>
+              <a:t>팔로잉 클릭시 우측 사이드바 생성</a:t>
+            </a:r>
           </a:p>
         </p:txBody>
       </p:sp>
@@ -11092,13 +10980,6 @@
   <p:clrMapOvr>
     <a:overrideClrMapping bg1="lt1" tx1="dk1" bg2="lt2" tx2="dk2" accent1="accent1" accent2="accent2" accent3="accent3" accent4="accent4" accent5="accent5" accent6="accent6" hlink="hlink" folHlink="folHlink"/>
   </p:clrMapOvr>
-  <p:timing>
-    <p:tnLst>
-      <p:par>
-        <p:cTn id="1" dur="indefinite" restart="never" nodeType="tmRoot"/>
-      </p:par>
-    </p:tnLst>
-  </p:timing>
 </p:sld>
 </file>
 
@@ -11321,7 +11202,7 @@
           <a:lstStyle/>
           <a:p>
             <a:r>
-              <a:rPr lang="en-US" sz="2400" smtClean="0">
+              <a:rPr lang="en-US" sz="2400">
                 <a:latin typeface="Jalnan OTF"/>
               </a:rPr>
               <a:t>MyPage</a:t>
@@ -11394,18 +11275,18 @@
           <a:lstStyle/>
           <a:p>
             <a:r>
-              <a:rPr lang="en-US" altLang="ko-KR" sz="2000" smtClean="0">
+              <a:rPr lang="en-US" altLang="ko-KR" sz="2000">
                 <a:latin typeface="Jalnan OTF"/>
               </a:rPr>
               <a:t>MyPage </a:t>
             </a:r>
             <a:r>
-              <a:rPr lang="ko-KR" altLang="en-US" sz="2000" smtClean="0">
+              <a:rPr lang="ko-KR" altLang="en-US" sz="2000">
                 <a:latin typeface="Jalnan OTF"/>
               </a:rPr>
               <a:t>화면</a:t>
             </a:r>
-            <a:endParaRPr lang="en-US" altLang="ko-KR" sz="2000" smtClean="0">
+            <a:endParaRPr lang="en-US" altLang="ko-KR" sz="2000">
               <a:latin typeface="Jalnan OTF"/>
             </a:endParaRPr>
           </a:p>
@@ -11550,50 +11431,47 @@
               </a:lnSpc>
             </a:pPr>
             <a:r>
-              <a:rPr lang="ko-KR" altLang="en-US" smtClean="0">
+              <a:rPr lang="ko-KR" altLang="en-US">
                 <a:latin typeface="Jalnan OTF"/>
               </a:rPr>
               <a:t>무한 스크롤 </a:t>
             </a:r>
             <a:r>
-              <a:rPr lang="en-US" altLang="ko-KR" smtClean="0">
+              <a:rPr lang="en-US" altLang="ko-KR">
                 <a:latin typeface="Jalnan OTF"/>
               </a:rPr>
               <a:t>ajax</a:t>
             </a:r>
             <a:r>
-              <a:rPr lang="ko-KR" altLang="en-US" smtClean="0">
+              <a:rPr lang="ko-KR" altLang="en-US">
                 <a:latin typeface="Jalnan OTF"/>
               </a:rPr>
               <a:t>를 내가 작성한 글</a:t>
             </a:r>
             <a:r>
-              <a:rPr lang="en-US" altLang="ko-KR" smtClean="0">
+              <a:rPr lang="en-US" altLang="ko-KR">
                 <a:latin typeface="Jalnan OTF"/>
               </a:rPr>
               <a:t>, </a:t>
             </a:r>
             <a:r>
-              <a:rPr lang="ko-KR" altLang="en-US" smtClean="0">
+              <a:rPr lang="ko-KR" altLang="en-US">
                 <a:latin typeface="Jalnan OTF"/>
               </a:rPr>
               <a:t>태그받은 글</a:t>
             </a:r>
             <a:r>
-              <a:rPr lang="en-US" altLang="ko-KR" smtClean="0">
+              <a:rPr lang="en-US" altLang="ko-KR">
                 <a:latin typeface="Jalnan OTF"/>
               </a:rPr>
               <a:t>, </a:t>
             </a:r>
             <a:r>
-              <a:rPr lang="ko-KR" altLang="en-US" smtClean="0">
+              <a:rPr lang="ko-KR" altLang="en-US">
                 <a:latin typeface="Jalnan OTF"/>
               </a:rPr>
               <a:t>내가 좋아요한 글 세가지로 구현 후 출력</a:t>
             </a:r>
-            <a:endParaRPr lang="ko-KR" altLang="en-US">
-              <a:latin typeface="Jalnan OTF"/>
-            </a:endParaRPr>
           </a:p>
         </p:txBody>
       </p:sp>
@@ -11607,13 +11485,6 @@
   <p:clrMapOvr>
     <a:overrideClrMapping bg1="lt1" tx1="dk1" bg2="lt2" tx2="dk2" accent1="accent1" accent2="accent2" accent3="accent3" accent4="accent4" accent5="accent5" accent6="accent6" hlink="hlink" folHlink="folHlink"/>
   </p:clrMapOvr>
-  <p:timing>
-    <p:tnLst>
-      <p:par>
-        <p:cTn id="1" dur="indefinite" restart="never" nodeType="tmRoot"/>
-      </p:par>
-    </p:tnLst>
-  </p:timing>
 </p:sld>
 </file>
 
@@ -11860,7 +11731,7 @@
           <a:lstStyle/>
           <a:p>
             <a:r>
-              <a:rPr lang="en-US" sz="2400" smtClean="0">
+              <a:rPr lang="en-US" sz="2400">
                 <a:latin typeface="Jalnan OTF"/>
               </a:rPr>
               <a:t>MyPage</a:t>
@@ -11933,30 +11804,30 @@
           <a:lstStyle/>
           <a:p>
             <a:r>
-              <a:rPr lang="en-US" altLang="ko-KR" sz="2000" smtClean="0">
+              <a:rPr lang="en-US" altLang="ko-KR" sz="2000">
                 <a:latin typeface="Jalnan OTF"/>
               </a:rPr>
               <a:t>MyPage </a:t>
             </a:r>
             <a:r>
-              <a:rPr lang="ko-KR" altLang="en-US" sz="2000" smtClean="0">
+              <a:rPr lang="ko-KR" altLang="en-US" sz="2000">
                 <a:latin typeface="Jalnan OTF"/>
               </a:rPr>
               <a:t>화면 </a:t>
             </a:r>
             <a:r>
-              <a:rPr lang="en-US" altLang="ko-KR" sz="2000" smtClean="0">
+              <a:rPr lang="en-US" altLang="ko-KR" sz="2000">
                 <a:latin typeface="Jalnan OTF"/>
               </a:rPr>
               <a:t>– </a:t>
             </a:r>
             <a:r>
-              <a:rPr lang="ko-KR" altLang="en-US" sz="2000" smtClean="0">
+              <a:rPr lang="ko-KR" altLang="en-US" sz="2000">
                 <a:latin typeface="Jalnan OTF"/>
               </a:rPr>
               <a:t>피드 작성</a:t>
             </a:r>
-            <a:endParaRPr lang="en-US" altLang="ko-KR" sz="2000" smtClean="0">
+            <a:endParaRPr lang="en-US" altLang="ko-KR" sz="2000">
               <a:latin typeface="Jalnan OTF"/>
             </a:endParaRPr>
           </a:p>
@@ -12036,18 +11907,18 @@
               </a:lnSpc>
             </a:pPr>
             <a:r>
-              <a:rPr lang="en-US" altLang="ko-KR" sz="1600" smtClean="0">
+              <a:rPr lang="en-US" altLang="ko-KR" sz="1600">
                 <a:latin typeface="Jalnan OTF"/>
               </a:rPr>
               <a:t>JavaScript </a:t>
             </a:r>
             <a:r>
-              <a:rPr lang="ko-KR" altLang="en-US" sz="1600" smtClean="0">
+              <a:rPr lang="ko-KR" altLang="en-US" sz="1600">
                 <a:latin typeface="Jalnan OTF"/>
               </a:rPr>
               <a:t>정규식 사용으로</a:t>
             </a:r>
-            <a:endParaRPr lang="en-US" altLang="ko-KR" sz="1600" smtClean="0">
+            <a:endParaRPr lang="en-US" altLang="ko-KR" sz="1600">
               <a:latin typeface="Jalnan OTF"/>
             </a:endParaRPr>
           </a:p>
@@ -12058,20 +11929,17 @@
               </a:lnSpc>
             </a:pPr>
             <a:r>
-              <a:rPr lang="en-US" altLang="ko-KR" sz="1600" smtClean="0">
+              <a:rPr lang="en-US" altLang="ko-KR" sz="1600">
                 <a:latin typeface="Jalnan OTF"/>
               </a:rPr>
               <a:t># </a:t>
             </a:r>
             <a:r>
-              <a:rPr lang="ko-KR" altLang="en-US" sz="1600" smtClean="0">
+              <a:rPr lang="ko-KR" altLang="en-US" sz="1600">
                 <a:latin typeface="Jalnan OTF"/>
               </a:rPr>
               <a:t>사용시 자동으로 해쉬태그로 인식</a:t>
             </a:r>
-            <a:endParaRPr lang="ko-KR" altLang="en-US" sz="1600">
-              <a:latin typeface="Jalnan OTF"/>
-            </a:endParaRPr>
           </a:p>
         </p:txBody>
       </p:sp>
@@ -12214,20 +12082,17 @@
               </a:lnSpc>
             </a:pPr>
             <a:r>
-              <a:rPr lang="en-US" altLang="ko-KR" sz="1600" smtClean="0">
+              <a:rPr lang="en-US" altLang="ko-KR" sz="1600">
                 <a:latin typeface="Jalnan OTF"/>
               </a:rPr>
               <a:t>Png, jpg, jpeg </a:t>
             </a:r>
             <a:r>
-              <a:rPr lang="ko-KR" altLang="en-US" sz="1600" smtClean="0">
+              <a:rPr lang="ko-KR" altLang="en-US" sz="1600">
                 <a:latin typeface="Jalnan OTF"/>
               </a:rPr>
               <a:t>등 이미지 업로드 가능</a:t>
             </a:r>
-            <a:endParaRPr lang="ko-KR" altLang="en-US" sz="1600">
-              <a:latin typeface="Jalnan OTF"/>
-            </a:endParaRPr>
           </a:p>
         </p:txBody>
       </p:sp>
@@ -12365,14 +12230,11 @@
           <a:lstStyle/>
           <a:p>
             <a:r>
-              <a:rPr lang="ko-KR" altLang="en-US" sz="1600" smtClean="0">
+              <a:rPr lang="ko-KR" altLang="en-US" sz="1600">
                 <a:latin typeface="Jalnan OTF"/>
               </a:rPr>
               <a:t>별점 입력 가능</a:t>
             </a:r>
-            <a:endParaRPr lang="ko-KR" altLang="en-US" sz="1600">
-              <a:latin typeface="Jalnan OTF"/>
-            </a:endParaRPr>
           </a:p>
         </p:txBody>
       </p:sp>
@@ -12481,14 +12343,11 @@
           <a:lstStyle/>
           <a:p>
             <a:r>
-              <a:rPr lang="ko-KR" altLang="en-US" sz="1600" smtClean="0">
+              <a:rPr lang="ko-KR" altLang="en-US" sz="1600">
                 <a:latin typeface="Jalnan OTF"/>
               </a:rPr>
               <a:t>피드를 태그할 회원 추가 가능</a:t>
             </a:r>
-            <a:endParaRPr lang="ko-KR" altLang="en-US" sz="1600">
-              <a:latin typeface="Jalnan OTF"/>
-            </a:endParaRPr>
           </a:p>
         </p:txBody>
       </p:sp>
@@ -12538,13 +12397,6 @@
   <p:clrMapOvr>
     <a:overrideClrMapping bg1="lt1" tx1="dk1" bg2="lt2" tx2="dk2" accent1="accent1" accent2="accent2" accent3="accent3" accent4="accent4" accent5="accent5" accent6="accent6" hlink="hlink" folHlink="folHlink"/>
   </p:clrMapOvr>
-  <p:timing>
-    <p:tnLst>
-      <p:par>
-        <p:cTn id="1" dur="indefinite" restart="never" nodeType="tmRoot"/>
-      </p:par>
-    </p:tnLst>
-  </p:timing>
 </p:sld>
 </file>
 
@@ -12767,7 +12619,7 @@
           <a:lstStyle/>
           <a:p>
             <a:r>
-              <a:rPr lang="en-US" sz="2400" smtClean="0">
+              <a:rPr lang="en-US" sz="2400">
                 <a:latin typeface="Jalnan OTF"/>
               </a:rPr>
               <a:t>MyPage</a:t>
@@ -12840,42 +12692,42 @@
           <a:lstStyle/>
           <a:p>
             <a:r>
-              <a:rPr lang="en-US" altLang="ko-KR" sz="2000" smtClean="0">
+              <a:rPr lang="en-US" altLang="ko-KR" sz="2000">
                 <a:latin typeface="Jalnan OTF"/>
               </a:rPr>
               <a:t>MyPage </a:t>
             </a:r>
             <a:r>
-              <a:rPr lang="ko-KR" altLang="en-US" sz="2000" smtClean="0">
+              <a:rPr lang="ko-KR" altLang="en-US" sz="2000">
                 <a:latin typeface="Jalnan OTF"/>
               </a:rPr>
               <a:t>화면 </a:t>
             </a:r>
             <a:r>
-              <a:rPr lang="en-US" altLang="ko-KR" sz="2000" smtClean="0">
+              <a:rPr lang="en-US" altLang="ko-KR" sz="2000">
                 <a:latin typeface="Jalnan OTF"/>
               </a:rPr>
               <a:t>– </a:t>
             </a:r>
             <a:r>
-              <a:rPr lang="ko-KR" altLang="en-US" sz="2000" smtClean="0">
+              <a:rPr lang="ko-KR" altLang="en-US" sz="2000">
                 <a:latin typeface="Jalnan OTF"/>
               </a:rPr>
               <a:t>피드 수정</a:t>
             </a:r>
             <a:r>
-              <a:rPr lang="en-US" altLang="ko-KR" sz="2000" smtClean="0">
+              <a:rPr lang="en-US" altLang="ko-KR" sz="2000">
                 <a:latin typeface="Jalnan OTF"/>
               </a:rPr>
               <a:t>/</a:t>
             </a:r>
             <a:r>
-              <a:rPr lang="ko-KR" altLang="en-US" sz="2000" smtClean="0">
+              <a:rPr lang="ko-KR" altLang="en-US" sz="2000">
                 <a:latin typeface="Jalnan OTF"/>
               </a:rPr>
               <a:t>삭제</a:t>
             </a:r>
-            <a:endParaRPr lang="en-US" altLang="ko-KR" sz="2000" smtClean="0">
+            <a:endParaRPr lang="en-US" altLang="ko-KR" sz="2000">
               <a:latin typeface="Jalnan OTF"/>
             </a:endParaRPr>
           </a:p>
@@ -13009,10 +12861,9 @@
           <a:lstStyle/>
           <a:p>
             <a:r>
-              <a:rPr lang="ko-KR" altLang="en-US" smtClean="0"/>
+              <a:rPr lang="ko-KR" altLang="en-US"/>
               <a:t>ㅇㄹㅇ</a:t>
             </a:r>
-            <a:endParaRPr lang="ko-KR" altLang="en-US"/>
           </a:p>
         </p:txBody>
       </p:sp>
@@ -13026,13 +12877,6 @@
   <p:clrMapOvr>
     <a:overrideClrMapping bg1="lt1" tx1="dk1" bg2="lt2" tx2="dk2" accent1="accent1" accent2="accent2" accent3="accent3" accent4="accent4" accent5="accent5" accent6="accent6" hlink="hlink" folHlink="folHlink"/>
   </p:clrMapOvr>
-  <p:timing>
-    <p:tnLst>
-      <p:par>
-        <p:cTn id="1" dur="indefinite" restart="never" nodeType="tmRoot"/>
-      </p:par>
-    </p:tnLst>
-  </p:timing>
 </p:sld>
 </file>
 
@@ -13255,7 +13099,7 @@
           <a:lstStyle/>
           <a:p>
             <a:r>
-              <a:rPr lang="en-US" sz="2400" smtClean="0">
+              <a:rPr lang="en-US" sz="2400">
                 <a:latin typeface="Jalnan OTF"/>
               </a:rPr>
               <a:t>Setting</a:t>
@@ -13328,18 +13172,18 @@
           <a:lstStyle/>
           <a:p>
             <a:r>
-              <a:rPr lang="en-US" altLang="ko-KR" sz="2000" smtClean="0">
+              <a:rPr lang="en-US" altLang="ko-KR" sz="2000">
                 <a:latin typeface="Jalnan OTF"/>
               </a:rPr>
               <a:t>setting </a:t>
             </a:r>
             <a:r>
-              <a:rPr lang="ko-KR" altLang="en-US" sz="2000" smtClean="0">
+              <a:rPr lang="ko-KR" altLang="en-US" sz="2000">
                 <a:latin typeface="Jalnan OTF"/>
               </a:rPr>
               <a:t>화면</a:t>
             </a:r>
-            <a:endParaRPr lang="en-US" altLang="ko-KR" sz="2000" smtClean="0">
+            <a:endParaRPr lang="en-US" altLang="ko-KR" sz="2000">
               <a:latin typeface="Jalnan OTF"/>
             </a:endParaRPr>
           </a:p>
@@ -13355,12 +13199,12 @@
               </a:lnSpc>
             </a:pPr>
             <a:r>
-              <a:rPr lang="ko-KR" altLang="en-US" sz="2000" smtClean="0">
+              <a:rPr lang="ko-KR" altLang="en-US" sz="2000">
                 <a:latin typeface="Jalnan OTF"/>
               </a:rPr>
               <a:t>모든 회원 정보는</a:t>
             </a:r>
-            <a:endParaRPr lang="en-US" altLang="ko-KR" sz="2000" smtClean="0">
+            <a:endParaRPr lang="en-US" altLang="ko-KR" sz="2000">
               <a:latin typeface="Jalnan OTF"/>
             </a:endParaRPr>
           </a:p>
@@ -13371,12 +13215,12 @@
               </a:lnSpc>
             </a:pPr>
             <a:r>
-              <a:rPr lang="ko-KR" altLang="en-US" sz="2000" smtClean="0">
+              <a:rPr lang="ko-KR" altLang="en-US" sz="2000">
                 <a:latin typeface="Jalnan OTF"/>
               </a:rPr>
               <a:t>새로고침 없이 수정 가능</a:t>
             </a:r>
-            <a:endParaRPr lang="en-US" altLang="ko-KR" sz="2000" smtClean="0">
+            <a:endParaRPr lang="en-US" altLang="ko-KR" sz="2000">
               <a:latin typeface="Jalnan OTF"/>
             </a:endParaRPr>
           </a:p>
@@ -13697,13 +13541,6 @@
   <p:clrMapOvr>
     <a:overrideClrMapping bg1="lt1" tx1="dk1" bg2="lt2" tx2="dk2" accent1="accent1" accent2="accent2" accent3="accent3" accent4="accent4" accent5="accent5" accent6="accent6" hlink="hlink" folHlink="folHlink"/>
   </p:clrMapOvr>
-  <p:timing>
-    <p:tnLst>
-      <p:par>
-        <p:cTn id="1" dur="indefinite" restart="never" nodeType="tmRoot"/>
-      </p:par>
-    </p:tnLst>
-  </p:timing>
 </p:sld>
 </file>
 
@@ -13926,7 +13763,7 @@
           <a:lstStyle/>
           <a:p>
             <a:r>
-              <a:rPr lang="en-US" sz="2400" smtClean="0">
+              <a:rPr lang="en-US" sz="2400">
                 <a:latin typeface="Jalnan OTF"/>
               </a:rPr>
               <a:t>Search</a:t>
@@ -13999,18 +13836,18 @@
           <a:lstStyle/>
           <a:p>
             <a:r>
-              <a:rPr lang="en-US" altLang="ko-KR" sz="2000" smtClean="0">
+              <a:rPr lang="en-US" altLang="ko-KR" sz="2000">
                 <a:latin typeface="Jalnan OTF"/>
               </a:rPr>
               <a:t>search </a:t>
             </a:r>
             <a:r>
-              <a:rPr lang="ko-KR" altLang="en-US" sz="2000" smtClean="0">
+              <a:rPr lang="ko-KR" altLang="en-US" sz="2000">
                 <a:latin typeface="Jalnan OTF"/>
               </a:rPr>
               <a:t>화면</a:t>
             </a:r>
-            <a:endParaRPr lang="en-US" altLang="ko-KR" sz="2000" smtClean="0">
+            <a:endParaRPr lang="en-US" altLang="ko-KR" sz="2000">
               <a:latin typeface="Jalnan OTF"/>
             </a:endParaRPr>
           </a:p>
@@ -14026,12 +13863,12 @@
               </a:lnSpc>
             </a:pPr>
             <a:r>
-              <a:rPr lang="ko-KR" altLang="en-US" sz="2000" smtClean="0">
+              <a:rPr lang="ko-KR" altLang="en-US" sz="2000">
                 <a:latin typeface="Jalnan OTF"/>
               </a:rPr>
               <a:t>검색어 입력시 검색어와</a:t>
             </a:r>
-            <a:endParaRPr lang="en-US" altLang="ko-KR" sz="2000" smtClean="0">
+            <a:endParaRPr lang="en-US" altLang="ko-KR" sz="2000">
               <a:latin typeface="Jalnan OTF"/>
             </a:endParaRPr>
           </a:p>
@@ -14042,13 +13879,13 @@
               </a:lnSpc>
             </a:pPr>
             <a:r>
-              <a:rPr lang="ko-KR" altLang="en-US" sz="2000" smtClean="0">
+              <a:rPr lang="ko-KR" altLang="en-US" sz="2000">
                 <a:latin typeface="Jalnan OTF"/>
               </a:rPr>
               <a:t>해시태그</a:t>
             </a:r>
             <a:r>
-              <a:rPr lang="en-US" altLang="ko-KR" sz="2000" smtClean="0">
+              <a:rPr lang="en-US" altLang="ko-KR" sz="2000">
                 <a:latin typeface="Jalnan OTF"/>
               </a:rPr>
               <a:t>(#)</a:t>
@@ -14057,15 +13894,9 @@
               <a:rPr lang="ko-KR" altLang="en-US" sz="2000">
                 <a:latin typeface="Jalnan OTF"/>
               </a:rPr>
-              <a:t>가</a:t>
-            </a:r>
-            <a:r>
-              <a:rPr lang="ko-KR" altLang="en-US" sz="2000" smtClean="0">
-                <a:latin typeface="Jalnan OTF"/>
-              </a:rPr>
-              <a:t> 일치하는 피드를 출력</a:t>
-            </a:r>
-            <a:endParaRPr lang="en-US" altLang="ko-KR" sz="2000" smtClean="0">
+              <a:t>가 일치하는 피드를 출력</a:t>
+            </a:r>
+            <a:endParaRPr lang="en-US" altLang="ko-KR" sz="2000">
               <a:latin typeface="Jalnan OTF"/>
             </a:endParaRPr>
           </a:p>
@@ -14166,13 +13997,6 @@
   <p:clrMapOvr>
     <a:overrideClrMapping bg1="lt1" tx1="dk1" bg2="lt2" tx2="dk2" accent1="accent1" accent2="accent2" accent3="accent3" accent4="accent4" accent5="accent5" accent6="accent6" hlink="hlink" folHlink="folHlink"/>
   </p:clrMapOvr>
-  <p:timing>
-    <p:tnLst>
-      <p:par>
-        <p:cTn id="1" dur="indefinite" restart="never" nodeType="tmRoot"/>
-      </p:par>
-    </p:tnLst>
-  </p:timing>
 </p:sld>
 </file>
 
@@ -14468,18 +14292,18 @@
           <a:lstStyle/>
           <a:p>
             <a:r>
-              <a:rPr lang="en-US" altLang="ko-KR" sz="2000" smtClean="0">
+              <a:rPr lang="en-US" altLang="ko-KR" sz="2000">
                 <a:latin typeface="Jalnan OTF"/>
               </a:rPr>
               <a:t>anotherPage </a:t>
             </a:r>
             <a:r>
-              <a:rPr lang="ko-KR" altLang="en-US" sz="2000" smtClean="0">
+              <a:rPr lang="ko-KR" altLang="en-US" sz="2000">
                 <a:latin typeface="Jalnan OTF"/>
               </a:rPr>
               <a:t>화면</a:t>
             </a:r>
-            <a:endParaRPr lang="en-US" altLang="ko-KR" sz="2000" smtClean="0">
+            <a:endParaRPr lang="en-US" altLang="ko-KR" sz="2000">
               <a:latin typeface="Jalnan OTF"/>
             </a:endParaRPr>
           </a:p>
@@ -14622,17 +14446,16 @@
           <a:lstStyle/>
           <a:p>
             <a:r>
-              <a:rPr lang="ko-KR" altLang="en-US" smtClean="0"/>
+              <a:rPr lang="ko-KR" altLang="en-US"/>
               <a:t>다른 회원의 이름을 클릭하면</a:t>
             </a:r>
-            <a:endParaRPr lang="en-US" altLang="ko-KR" smtClean="0"/>
-          </a:p>
-          <a:p>
-            <a:r>
-              <a:rPr lang="ko-KR" altLang="en-US" smtClean="0"/>
+            <a:endParaRPr lang="en-US" altLang="ko-KR"/>
+          </a:p>
+          <a:p>
+            <a:r>
+              <a:rPr lang="ko-KR" altLang="en-US"/>
               <a:t>해당 회원의 페이지로 이동 가능</a:t>
             </a:r>
-            <a:endParaRPr lang="ko-KR" altLang="en-US"/>
           </a:p>
         </p:txBody>
       </p:sp>
@@ -14769,10 +14592,9 @@
           <a:lstStyle/>
           <a:p>
             <a:r>
-              <a:rPr lang="ko-KR" altLang="en-US" smtClean="0"/>
+              <a:rPr lang="ko-KR" altLang="en-US"/>
               <a:t>버튼 클릭시 해당 회원을 팔로우 할 수 있다</a:t>
             </a:r>
-            <a:endParaRPr lang="ko-KR" altLang="en-US"/>
           </a:p>
         </p:txBody>
       </p:sp>
@@ -14888,13 +14710,6 @@
   <p:clrMapOvr>
     <a:overrideClrMapping bg1="lt1" tx1="dk1" bg2="lt2" tx2="dk2" accent1="accent1" accent2="accent2" accent3="accent3" accent4="accent4" accent5="accent5" accent6="accent6" hlink="hlink" folHlink="folHlink"/>
   </p:clrMapOvr>
-  <p:timing>
-    <p:tnLst>
-      <p:par>
-        <p:cTn id="1" dur="indefinite" restart="never" nodeType="tmRoot"/>
-      </p:par>
-    </p:tnLst>
-  </p:timing>
 </p:sld>
 </file>
 
@@ -15157,7 +14972,7 @@
           <a:p>
             <a:pPr algn="r"/>
             <a:r>
-              <a:rPr lang="en-US" sz="21400" kern="0" spc="500" dirty="0" smtClean="0">
+              <a:rPr lang="en-US" sz="21400" kern="0" spc="500" dirty="0">
                 <a:solidFill>
                   <a:srgbClr val="FDAAA2"/>
                 </a:solidFill>
@@ -15232,7 +15047,7 @@
           <a:lstStyle/>
           <a:p>
             <a:r>
-              <a:rPr lang="ko-KR" altLang="en-US" sz="4100" kern="0" spc="100" smtClean="0">
+              <a:rPr lang="ko-KR" altLang="en-US" sz="4100" kern="0" spc="100">
                 <a:solidFill>
                   <a:srgbClr val="FDAAA2"/>
                 </a:solidFill>
@@ -15250,13 +15065,6 @@
   <p:clrMapOvr>
     <a:masterClrMapping/>
   </p:clrMapOvr>
-  <p:timing>
-    <p:tnLst>
-      <p:par>
-        <p:cTn id="1" dur="indefinite" restart="never" nodeType="tmRoot"/>
-      </p:par>
-    </p:tnLst>
-  </p:timing>
 </p:sld>
 </file>
 
@@ -15518,20 +15326,17 @@
           <a:lstStyle/>
           <a:p>
             <a:r>
-              <a:rPr lang="en-US" altLang="ko-KR" sz="3200" smtClean="0">
+              <a:rPr lang="en-US" altLang="ko-KR" sz="3200">
                 <a:latin typeface="Jalnan OTF"/>
               </a:rPr>
               <a:t>FriendSourcing </a:t>
             </a:r>
             <a:r>
-              <a:rPr lang="ko-KR" altLang="en-US" sz="3200" smtClean="0">
+              <a:rPr lang="ko-KR" altLang="en-US" sz="3200">
                 <a:latin typeface="Jalnan OTF"/>
               </a:rPr>
               <a:t>소개</a:t>
             </a:r>
-            <a:endParaRPr lang="ko-KR" altLang="en-US" sz="3200">
-              <a:latin typeface="Jalnan OTF"/>
-            </a:endParaRPr>
           </a:p>
         </p:txBody>
       </p:sp>
@@ -15558,15 +15363,15 @@
           <a:lstStyle/>
           <a:p>
             <a:r>
-              <a:rPr lang="en-US" altLang="ko-KR" sz="3200" smtClean="0"/>
+              <a:rPr lang="en-US" altLang="ko-KR" sz="3200"/>
               <a:t>FriendSourcing </a:t>
             </a:r>
             <a:r>
-              <a:rPr lang="ko-KR" altLang="en-US" sz="3200" smtClean="0"/>
+              <a:rPr lang="ko-KR" altLang="en-US" sz="3200"/>
               <a:t>이란</a:t>
             </a:r>
             <a:r>
-              <a:rPr lang="en-US" altLang="ko-KR" sz="3200" smtClean="0"/>
+              <a:rPr lang="en-US" altLang="ko-KR" sz="3200"/>
               <a:t>?</a:t>
             </a:r>
           </a:p>
@@ -15592,16 +15397,12 @@
             </a:r>
             <a:r>
               <a:rPr lang="ko-KR" altLang="en-US"/>
-              <a:t>피드백 등을 받는 </a:t>
-            </a:r>
-            <a:r>
-              <a:rPr lang="ko-KR" altLang="en-US" smtClean="0"/>
-              <a:t>것</a:t>
-            </a:r>
-            <a:endParaRPr lang="en-US" altLang="ko-KR" smtClean="0"/>
-          </a:p>
-          <a:p>
-            <a:endParaRPr lang="en-US" altLang="ko-KR" smtClean="0"/>
+              <a:t>피드백 등을 받는 것</a:t>
+            </a:r>
+            <a:endParaRPr lang="en-US" altLang="ko-KR"/>
+          </a:p>
+          <a:p>
+            <a:endParaRPr lang="en-US" altLang="ko-KR"/>
           </a:p>
           <a:p>
             <a:endParaRPr lang="en-US" altLang="ko-KR"/>
@@ -15616,10 +15417,10 @@
               </a:lnSpc>
             </a:pPr>
             <a:r>
-              <a:rPr lang="ko-KR" altLang="en-US" smtClean="0"/>
+              <a:rPr lang="ko-KR" altLang="en-US"/>
               <a:t>단어의 뜻 과 같이 인터넷 상으로 여행지의 후기와 사진 등을 얻고</a:t>
             </a:r>
-            <a:endParaRPr lang="en-US" altLang="ko-KR" smtClean="0"/>
+            <a:endParaRPr lang="en-US" altLang="ko-KR"/>
           </a:p>
           <a:p>
             <a:pPr>
@@ -15628,11 +15429,11 @@
               </a:lnSpc>
             </a:pPr>
             <a:r>
-              <a:rPr lang="ko-KR" altLang="en-US" smtClean="0"/>
+              <a:rPr lang="ko-KR" altLang="en-US"/>
               <a:t>서로 소통할 수 있는 공간을 목적으로 개발된 프로젝트입니다</a:t>
             </a:r>
             <a:r>
-              <a:rPr lang="en-US" altLang="ko-KR" smtClean="0"/>
+              <a:rPr lang="en-US" altLang="ko-KR"/>
               <a:t>.</a:t>
             </a:r>
             <a:endParaRPr lang="ko-KR" altLang="en-US"/>
@@ -15665,14 +15466,14 @@
           <a:lstStyle/>
           <a:p>
             <a:r>
-              <a:rPr lang="en-US" altLang="ko-KR" sz="3200" smtClean="0"/>
+              <a:rPr lang="en-US" altLang="ko-KR" sz="3200"/>
               <a:t>FriendSourcing</a:t>
             </a:r>
             <a:r>
-              <a:rPr lang="ko-KR" altLang="en-US" sz="3200" smtClean="0"/>
+              <a:rPr lang="ko-KR" altLang="en-US" sz="3200"/>
               <a:t>의 기능</a:t>
             </a:r>
-            <a:endParaRPr lang="en-US" altLang="ko-KR" sz="3200" smtClean="0"/>
+            <a:endParaRPr lang="en-US" altLang="ko-KR" sz="3200"/>
           </a:p>
           <a:p>
             <a:endParaRPr lang="en-US" altLang="ko-KR"/>
@@ -15683,10 +15484,10 @@
               <a:buChar char="-"/>
             </a:pPr>
             <a:r>
-              <a:rPr lang="ko-KR" altLang="en-US" smtClean="0"/>
+              <a:rPr lang="ko-KR" altLang="en-US"/>
               <a:t>회원관리</a:t>
             </a:r>
-            <a:endParaRPr lang="en-US" altLang="ko-KR" smtClean="0"/>
+            <a:endParaRPr lang="en-US" altLang="ko-KR"/>
           </a:p>
           <a:p>
             <a:pPr marL="285750" indent="-285750">
@@ -15701,26 +15502,26 @@
               <a:buChar char="-"/>
             </a:pPr>
             <a:r>
-              <a:rPr lang="ko-KR" altLang="en-US" smtClean="0"/>
+              <a:rPr lang="ko-KR" altLang="en-US"/>
               <a:t>피드 작성</a:t>
             </a:r>
             <a:r>
-              <a:rPr lang="en-US" altLang="ko-KR" smtClean="0"/>
+              <a:rPr lang="en-US" altLang="ko-KR"/>
               <a:t>/</a:t>
             </a:r>
             <a:r>
-              <a:rPr lang="ko-KR" altLang="en-US" smtClean="0"/>
+              <a:rPr lang="ko-KR" altLang="en-US"/>
               <a:t>수정</a:t>
             </a:r>
             <a:r>
-              <a:rPr lang="en-US" altLang="ko-KR" smtClean="0"/>
+              <a:rPr lang="en-US" altLang="ko-KR"/>
               <a:t>/</a:t>
             </a:r>
             <a:r>
-              <a:rPr lang="ko-KR" altLang="en-US" smtClean="0"/>
+              <a:rPr lang="ko-KR" altLang="en-US"/>
               <a:t>삭제</a:t>
             </a:r>
-            <a:endParaRPr lang="en-US" altLang="ko-KR" smtClean="0"/>
+            <a:endParaRPr lang="en-US" altLang="ko-KR"/>
           </a:p>
           <a:p>
             <a:pPr marL="285750" indent="-285750">
@@ -15735,13 +15536,13 @@
               <a:buChar char="-"/>
             </a:pPr>
             <a:r>
-              <a:rPr lang="ko-KR" altLang="en-US" smtClean="0"/>
+              <a:rPr lang="ko-KR" altLang="en-US"/>
               <a:t>지도와 관련된 여러 상호작용</a:t>
             </a:r>
             <a:endParaRPr lang="en-US" altLang="ko-KR"/>
           </a:p>
           <a:p>
-            <a:endParaRPr lang="en-US" altLang="ko-KR" smtClean="0"/>
+            <a:endParaRPr lang="en-US" altLang="ko-KR"/>
           </a:p>
         </p:txBody>
       </p:sp>
@@ -15789,13 +15590,6 @@
   <p:clrMapOvr>
     <a:masterClrMapping/>
   </p:clrMapOvr>
-  <p:timing>
-    <p:tnLst>
-      <p:par>
-        <p:cTn id="1" dur="indefinite" restart="never" nodeType="tmRoot"/>
-      </p:par>
-    </p:tnLst>
-  </p:timing>
 </p:sld>
 </file>
 
@@ -16057,20 +15851,17 @@
           <a:lstStyle/>
           <a:p>
             <a:r>
-              <a:rPr lang="en-US" altLang="ko-KR" sz="3200" smtClean="0">
+              <a:rPr lang="en-US" altLang="ko-KR" sz="3200">
                 <a:latin typeface="Jalnan OTF"/>
               </a:rPr>
               <a:t>FriendSourcing </a:t>
             </a:r>
             <a:r>
-              <a:rPr lang="ko-KR" altLang="en-US" sz="3200" smtClean="0">
+              <a:rPr lang="ko-KR" altLang="en-US" sz="3200">
                 <a:latin typeface="Jalnan OTF"/>
               </a:rPr>
               <a:t>소개</a:t>
             </a:r>
-            <a:endParaRPr lang="ko-KR" altLang="en-US" sz="3200">
-              <a:latin typeface="Jalnan OTF"/>
-            </a:endParaRPr>
           </a:p>
         </p:txBody>
       </p:sp>
@@ -16097,15 +15888,15 @@
           <a:lstStyle/>
           <a:p>
             <a:r>
-              <a:rPr lang="en-US" altLang="ko-KR" sz="3200" smtClean="0"/>
+              <a:rPr lang="en-US" altLang="ko-KR" sz="3200"/>
               <a:t>FriendSourcing </a:t>
             </a:r>
             <a:r>
-              <a:rPr lang="ko-KR" altLang="en-US" sz="3200" smtClean="0"/>
+              <a:rPr lang="ko-KR" altLang="en-US" sz="3200"/>
               <a:t>이란</a:t>
             </a:r>
             <a:r>
-              <a:rPr lang="en-US" altLang="ko-KR" sz="3200" smtClean="0"/>
+              <a:rPr lang="en-US" altLang="ko-KR" sz="3200"/>
               <a:t>?</a:t>
             </a:r>
           </a:p>
@@ -16131,16 +15922,12 @@
             </a:r>
             <a:r>
               <a:rPr lang="ko-KR" altLang="en-US"/>
-              <a:t>피드백 등을 받는 </a:t>
-            </a:r>
-            <a:r>
-              <a:rPr lang="ko-KR" altLang="en-US" smtClean="0"/>
-              <a:t>것</a:t>
-            </a:r>
-            <a:endParaRPr lang="en-US" altLang="ko-KR" smtClean="0"/>
-          </a:p>
-          <a:p>
-            <a:endParaRPr lang="en-US" altLang="ko-KR" smtClean="0"/>
+              <a:t>피드백 등을 받는 것</a:t>
+            </a:r>
+            <a:endParaRPr lang="en-US" altLang="ko-KR"/>
+          </a:p>
+          <a:p>
+            <a:endParaRPr lang="en-US" altLang="ko-KR"/>
           </a:p>
           <a:p>
             <a:endParaRPr lang="en-US" altLang="ko-KR"/>
@@ -16155,10 +15942,10 @@
               </a:lnSpc>
             </a:pPr>
             <a:r>
-              <a:rPr lang="ko-KR" altLang="en-US" smtClean="0"/>
+              <a:rPr lang="ko-KR" altLang="en-US"/>
               <a:t>단어의 뜻 과 같이 인터넷 상으로 여행지의 후기와 사진 등을 얻고</a:t>
             </a:r>
-            <a:endParaRPr lang="en-US" altLang="ko-KR" smtClean="0"/>
+            <a:endParaRPr lang="en-US" altLang="ko-KR"/>
           </a:p>
           <a:p>
             <a:pPr>
@@ -16167,11 +15954,11 @@
               </a:lnSpc>
             </a:pPr>
             <a:r>
-              <a:rPr lang="ko-KR" altLang="en-US" smtClean="0"/>
+              <a:rPr lang="ko-KR" altLang="en-US"/>
               <a:t>서로 소통할 수 있는 공간을 목적으로 개발된 프로젝트입니다</a:t>
             </a:r>
             <a:r>
-              <a:rPr lang="en-US" altLang="ko-KR" smtClean="0"/>
+              <a:rPr lang="en-US" altLang="ko-KR"/>
               <a:t>.</a:t>
             </a:r>
             <a:endParaRPr lang="ko-KR" altLang="en-US"/>
@@ -16204,14 +15991,14 @@
           <a:lstStyle/>
           <a:p>
             <a:r>
-              <a:rPr lang="en-US" altLang="ko-KR" sz="3200" smtClean="0"/>
+              <a:rPr lang="en-US" altLang="ko-KR" sz="3200"/>
               <a:t>FriendSourcing</a:t>
             </a:r>
             <a:r>
-              <a:rPr lang="ko-KR" altLang="en-US" sz="3200" smtClean="0"/>
+              <a:rPr lang="ko-KR" altLang="en-US" sz="3200"/>
               <a:t>의 기능</a:t>
             </a:r>
-            <a:endParaRPr lang="en-US" altLang="ko-KR" sz="3200" smtClean="0"/>
+            <a:endParaRPr lang="en-US" altLang="ko-KR" sz="3200"/>
           </a:p>
           <a:p>
             <a:endParaRPr lang="en-US" altLang="ko-KR"/>
@@ -16222,10 +16009,10 @@
               <a:buChar char="-"/>
             </a:pPr>
             <a:r>
-              <a:rPr lang="ko-KR" altLang="en-US" smtClean="0"/>
+              <a:rPr lang="ko-KR" altLang="en-US"/>
               <a:t>회원관리</a:t>
             </a:r>
-            <a:endParaRPr lang="en-US" altLang="ko-KR" smtClean="0"/>
+            <a:endParaRPr lang="en-US" altLang="ko-KR"/>
           </a:p>
           <a:p>
             <a:pPr marL="285750" indent="-285750">
@@ -16240,26 +16027,26 @@
               <a:buChar char="-"/>
             </a:pPr>
             <a:r>
-              <a:rPr lang="ko-KR" altLang="en-US" smtClean="0"/>
+              <a:rPr lang="ko-KR" altLang="en-US"/>
               <a:t>피드 작성</a:t>
             </a:r>
             <a:r>
-              <a:rPr lang="en-US" altLang="ko-KR" smtClean="0"/>
+              <a:rPr lang="en-US" altLang="ko-KR"/>
               <a:t>/</a:t>
             </a:r>
             <a:r>
-              <a:rPr lang="ko-KR" altLang="en-US" smtClean="0"/>
+              <a:rPr lang="ko-KR" altLang="en-US"/>
               <a:t>수정</a:t>
             </a:r>
             <a:r>
-              <a:rPr lang="en-US" altLang="ko-KR" smtClean="0"/>
+              <a:rPr lang="en-US" altLang="ko-KR"/>
               <a:t>/</a:t>
             </a:r>
             <a:r>
-              <a:rPr lang="ko-KR" altLang="en-US" smtClean="0"/>
+              <a:rPr lang="ko-KR" altLang="en-US"/>
               <a:t>삭제</a:t>
             </a:r>
-            <a:endParaRPr lang="en-US" altLang="ko-KR" smtClean="0"/>
+            <a:endParaRPr lang="en-US" altLang="ko-KR"/>
           </a:p>
           <a:p>
             <a:pPr marL="285750" indent="-285750">
@@ -16274,13 +16061,13 @@
               <a:buChar char="-"/>
             </a:pPr>
             <a:r>
-              <a:rPr lang="ko-KR" altLang="en-US" smtClean="0"/>
+              <a:rPr lang="ko-KR" altLang="en-US"/>
               <a:t>지도와 관련된 여러 상호작용</a:t>
             </a:r>
             <a:endParaRPr lang="en-US" altLang="ko-KR"/>
           </a:p>
           <a:p>
-            <a:endParaRPr lang="en-US" altLang="ko-KR" smtClean="0"/>
+            <a:endParaRPr lang="en-US" altLang="ko-KR"/>
           </a:p>
         </p:txBody>
       </p:sp>
@@ -16333,13 +16120,6 @@
   <p:clrMapOvr>
     <a:overrideClrMapping bg1="lt1" tx1="dk1" bg2="lt2" tx2="dk2" accent1="accent1" accent2="accent2" accent3="accent3" accent4="accent4" accent5="accent5" accent6="accent6" hlink="hlink" folHlink="folHlink"/>
   </p:clrMapOvr>
-  <p:timing>
-    <p:tnLst>
-      <p:par>
-        <p:cTn id="1" dur="indefinite" restart="never" nodeType="tmRoot"/>
-      </p:par>
-    </p:tnLst>
-  </p:timing>
 </p:sld>
 </file>
 
@@ -16602,7 +16382,7 @@
           <a:p>
             <a:pPr algn="r"/>
             <a:r>
-              <a:rPr lang="en-US" sz="21400" kern="0" spc="500" smtClean="0">
+              <a:rPr lang="en-US" sz="21400" kern="0" spc="500">
                 <a:solidFill>
                   <a:srgbClr val="FDAAA2"/>
                 </a:solidFill>
@@ -16677,7 +16457,7 @@
           <a:lstStyle/>
           <a:p>
             <a:r>
-              <a:rPr lang="ko-KR" altLang="en-US" sz="4100" kern="0" spc="100" smtClean="0">
+              <a:rPr lang="ko-KR" altLang="en-US" sz="4100" kern="0" spc="100">
                 <a:solidFill>
                   <a:srgbClr val="FDAAA2"/>
                 </a:solidFill>
@@ -16700,13 +16480,6 @@
   <p:clrMapOvr>
     <a:overrideClrMapping bg1="lt1" tx1="dk1" bg2="lt2" tx2="dk2" accent1="accent1" accent2="accent2" accent3="accent3" accent4="accent4" accent5="accent5" accent6="accent6" hlink="hlink" folHlink="folHlink"/>
   </p:clrMapOvr>
-  <p:timing>
-    <p:tnLst>
-      <p:par>
-        <p:cTn id="1" dur="indefinite" restart="never" nodeType="tmRoot"/>
-      </p:par>
-    </p:tnLst>
-  </p:timing>
 </p:sld>
 </file>
 
@@ -16929,14 +16702,11 @@
           <a:lstStyle/>
           <a:p>
             <a:r>
-              <a:rPr lang="ko-KR" altLang="en-US" sz="3200" smtClean="0">
+              <a:rPr lang="ko-KR" altLang="en-US" sz="3200">
                 <a:latin typeface="Jalnan OTF"/>
               </a:rPr>
               <a:t>개발 환경</a:t>
             </a:r>
-            <a:endParaRPr lang="ko-KR" altLang="en-US" sz="3200">
-              <a:latin typeface="Jalnan OTF"/>
-            </a:endParaRPr>
           </a:p>
         </p:txBody>
       </p:sp>
@@ -17321,13 +17091,6 @@
   <p:clrMapOvr>
     <a:overrideClrMapping bg1="lt1" tx1="dk1" bg2="lt2" tx2="dk2" accent1="accent1" accent2="accent2" accent3="accent3" accent4="accent4" accent5="accent5" accent6="accent6" hlink="hlink" folHlink="folHlink"/>
   </p:clrMapOvr>
-  <p:timing>
-    <p:tnLst>
-      <p:par>
-        <p:cTn id="1" dur="indefinite" restart="never" nodeType="tmRoot"/>
-      </p:par>
-    </p:tnLst>
-  </p:timing>
 </p:sld>
 </file>
 
@@ -17590,7 +17353,7 @@
           <a:p>
             <a:pPr algn="r"/>
             <a:r>
-              <a:rPr lang="en-US" sz="21400" kern="0" spc="500" smtClean="0">
+              <a:rPr lang="en-US" sz="21400" kern="0" spc="500">
                 <a:solidFill>
                   <a:srgbClr val="FDAAA2"/>
                 </a:solidFill>
@@ -17665,7 +17428,7 @@
           <a:lstStyle/>
           <a:p>
             <a:r>
-              <a:rPr lang="ko-KR" altLang="en-US" sz="4100" kern="0" spc="100" smtClean="0">
+              <a:rPr lang="ko-KR" altLang="en-US" sz="4100" kern="0" spc="100">
                 <a:solidFill>
                   <a:srgbClr val="FDAAA2"/>
                 </a:solidFill>
@@ -17688,13 +17451,6 @@
   <p:clrMapOvr>
     <a:overrideClrMapping bg1="lt1" tx1="dk1" bg2="lt2" tx2="dk2" accent1="accent1" accent2="accent2" accent3="accent3" accent4="accent4" accent5="accent5" accent6="accent6" hlink="hlink" folHlink="folHlink"/>
   </p:clrMapOvr>
-  <p:timing>
-    <p:tnLst>
-      <p:par>
-        <p:cTn id="1" dur="indefinite" restart="never" nodeType="tmRoot"/>
-      </p:par>
-    </p:tnLst>
-  </p:timing>
 </p:sld>
 </file>
 
@@ -17917,7 +17673,7 @@
           <a:lstStyle/>
           <a:p>
             <a:r>
-              <a:rPr lang="en-US" altLang="ko-KR" sz="2800" smtClean="0">
+              <a:rPr lang="en-US" altLang="ko-KR" sz="2800">
                 <a:latin typeface="Jalnan OTF"/>
               </a:rPr>
               <a:t>Cmd -&gt; sqlplus</a:t>
@@ -17930,34 +17686,34 @@
           </a:p>
           <a:p>
             <a:r>
-              <a:rPr lang="en-US" altLang="ko-KR" sz="2800" smtClean="0">
+              <a:rPr lang="en-US" altLang="ko-KR" sz="2800">
                 <a:latin typeface="Jalnan OTF"/>
               </a:rPr>
               <a:t>System </a:t>
             </a:r>
             <a:r>
-              <a:rPr lang="ko-KR" altLang="en-US" sz="2800" smtClean="0">
+              <a:rPr lang="ko-KR" altLang="en-US" sz="2800">
                 <a:latin typeface="Jalnan OTF"/>
               </a:rPr>
               <a:t>계정으로 접속</a:t>
             </a:r>
-            <a:endParaRPr lang="en-US" altLang="ko-KR" sz="2800" smtClean="0">
-              <a:latin typeface="Jalnan OTF"/>
-            </a:endParaRPr>
-          </a:p>
-          <a:p>
             <a:endParaRPr lang="en-US" altLang="ko-KR" sz="2800">
               <a:latin typeface="Jalnan OTF"/>
             </a:endParaRPr>
           </a:p>
           <a:p>
-            <a:r>
-              <a:rPr lang="ko-KR" altLang="en-US" sz="2800" smtClean="0">
+            <a:endParaRPr lang="en-US" altLang="ko-KR" sz="2800">
+              <a:latin typeface="Jalnan OTF"/>
+            </a:endParaRPr>
+          </a:p>
+          <a:p>
+            <a:r>
+              <a:rPr lang="ko-KR" altLang="en-US" sz="2800">
                 <a:latin typeface="Jalnan OTF"/>
               </a:rPr>
               <a:t>계정 생성 후 권한 주기</a:t>
             </a:r>
-            <a:endParaRPr lang="en-US" altLang="ko-KR" sz="2800" smtClean="0">
+            <a:endParaRPr lang="en-US" altLang="ko-KR" sz="2800">
               <a:latin typeface="Jalnan OTF"/>
             </a:endParaRPr>
           </a:p>
@@ -17971,58 +17727,37 @@
               <a:rPr lang="en-US" altLang="ko-KR" sz="2800">
                 <a:latin typeface="Jalnan OTF"/>
               </a:rPr>
-              <a:t>create user </a:t>
-            </a:r>
-            <a:r>
-              <a:rPr lang="en-US" altLang="ko-KR" sz="2800" smtClean="0">
-                <a:latin typeface="Jalnan OTF"/>
-              </a:rPr>
-              <a:t>FS </a:t>
-            </a:r>
-            <a:r>
-              <a:rPr lang="en-US" altLang="ko-KR" sz="2800">
-                <a:latin typeface="Jalnan OTF"/>
-              </a:rPr>
-              <a:t>identified by 1234</a:t>
-            </a:r>
-            <a:r>
-              <a:rPr lang="en-US" altLang="ko-KR" sz="2800" smtClean="0">
-                <a:latin typeface="Jalnan OTF"/>
-              </a:rPr>
-              <a:t>;</a:t>
-            </a:r>
-          </a:p>
-          <a:p>
-            <a:endParaRPr lang="en-US" altLang="ko-KR" sz="4000" smtClean="0">
+              <a:t>create user FS identified by 1234;</a:t>
+            </a:r>
+          </a:p>
+          <a:p>
+            <a:endParaRPr lang="en-US" altLang="ko-KR" sz="4000">
               <a:latin typeface="Jalnan OTF"/>
             </a:endParaRPr>
           </a:p>
           <a:p>
             <a:r>
-              <a:rPr lang="ko-KR" altLang="en-US" sz="2800" smtClean="0">
+              <a:rPr lang="ko-KR" altLang="en-US" sz="2800">
                 <a:latin typeface="Jalnan OTF"/>
               </a:rPr>
               <a:t>생성 후 권한 주기</a:t>
             </a:r>
-            <a:endParaRPr lang="en-US" altLang="ko-KR" sz="2800" smtClean="0">
-              <a:latin typeface="Jalnan OTF"/>
-            </a:endParaRPr>
-          </a:p>
-          <a:p>
             <a:endParaRPr lang="en-US" altLang="ko-KR" sz="2800">
               <a:latin typeface="Jalnan OTF"/>
             </a:endParaRPr>
           </a:p>
           <a:p>
-            <a:r>
-              <a:rPr lang="en-US" altLang="ko-KR" sz="2800" smtClean="0">
-                <a:latin typeface="Jalnan OTF"/>
-              </a:rPr>
-              <a:t>Grant connect, resource, dba to FS;</a:t>
-            </a:r>
             <a:endParaRPr lang="en-US" altLang="ko-KR" sz="2800">
               <a:latin typeface="Jalnan OTF"/>
             </a:endParaRPr>
+          </a:p>
+          <a:p>
+            <a:r>
+              <a:rPr lang="en-US" altLang="ko-KR" sz="2800">
+                <a:latin typeface="Jalnan OTF"/>
+              </a:rPr>
+              <a:t>Grant connect, resource, dba to FS;</a:t>
+            </a:r>
           </a:p>
         </p:txBody>
       </p:sp>
@@ -18076,7 +17811,7 @@
           <a:lstStyle/>
           <a:p>
             <a:r>
-              <a:rPr lang="en-US" sz="2400" smtClean="0">
+              <a:rPr lang="en-US" sz="2400">
                 <a:latin typeface="Jalnan OTF"/>
               </a:rPr>
               <a:t>Cmd</a:t>
@@ -18136,13 +17871,6 @@
   <p:clrMapOvr>
     <a:overrideClrMapping bg1="lt1" tx1="dk1" bg2="lt2" tx2="dk2" accent1="accent1" accent2="accent2" accent3="accent3" accent4="accent4" accent5="accent5" accent6="accent6" hlink="hlink" folHlink="folHlink"/>
   </p:clrMapOvr>
-  <p:timing>
-    <p:tnLst>
-      <p:par>
-        <p:cTn id="1" dur="indefinite" restart="never" nodeType="tmRoot"/>
-      </p:par>
-    </p:tnLst>
-  </p:timing>
 </p:sld>
 </file>
 
